--- a/SDD 관련 자료/작업 결과물/대화 모형도/강의평가질문삭제.pptx
+++ b/SDD 관련 자료/작업 결과물/대화 모형도/강의평가질문삭제.pptx
@@ -4368,6 +4368,141 @@
           </a:p>
         </p:txBody>
       </p:sp>
+      <p:grpSp>
+        <p:nvGrpSpPr>
+          <p:cNvPr id="38" name="그룹 37"/>
+          <p:cNvGrpSpPr/>
+          <p:nvPr/>
+        </p:nvGrpSpPr>
+        <p:grpSpPr>
+          <a:xfrm rot="4479793">
+            <a:off x="4360018" y="2994237"/>
+            <a:ext cx="465295" cy="429840"/>
+            <a:chOff x="5764817" y="2081712"/>
+            <a:chExt cx="465295" cy="429840"/>
+          </a:xfrm>
+        </p:grpSpPr>
+        <p:sp>
+          <p:nvSpPr>
+            <p:cNvPr id="43" name="타원 42"/>
+            <p:cNvSpPr/>
+            <p:nvPr/>
+          </p:nvSpPr>
+          <p:spPr>
+            <a:xfrm>
+              <a:off x="5764817" y="2081712"/>
+              <a:ext cx="254984" cy="254984"/>
+            </a:xfrm>
+            <a:prstGeom prst="ellipse">
+              <a:avLst/>
+            </a:prstGeom>
+            <a:noFill/>
+            <a:ln w="38100">
+              <a:solidFill>
+                <a:schemeClr val="accent1"/>
+              </a:solidFill>
+            </a:ln>
+          </p:spPr>
+          <p:style>
+            <a:lnRef idx="2">
+              <a:schemeClr val="accent1">
+                <a:shade val="50000"/>
+              </a:schemeClr>
+            </a:lnRef>
+            <a:fillRef idx="1">
+              <a:schemeClr val="accent1"/>
+            </a:fillRef>
+            <a:effectRef idx="0">
+              <a:schemeClr val="accent1"/>
+            </a:effectRef>
+            <a:fontRef idx="minor">
+              <a:schemeClr val="lt1"/>
+            </a:fontRef>
+          </p:style>
+          <p:txBody>
+            <a:bodyPr rtlCol="0" anchor="ctr"/>
+            <a:lstStyle/>
+            <a:p>
+              <a:pPr algn="ctr"/>
+              <a:endParaRPr lang="ko-KR" altLang="en-US"/>
+            </a:p>
+          </p:txBody>
+        </p:sp>
+        <p:cxnSp>
+          <p:nvCxnSpPr>
+            <p:cNvPr id="44" name="직선 연결선 43"/>
+            <p:cNvCxnSpPr>
+              <a:endCxn id="43" idx="5"/>
+            </p:cNvCxnSpPr>
+            <p:nvPr/>
+          </p:nvCxnSpPr>
+          <p:spPr>
+            <a:xfrm flipH="1" flipV="1">
+              <a:off x="5982459" y="2299354"/>
+              <a:ext cx="247653" cy="212198"/>
+            </a:xfrm>
+            <a:prstGeom prst="line">
+              <a:avLst/>
+            </a:prstGeom>
+            <a:ln w="38100">
+              <a:headEnd type="stealth" w="lg" len="lg"/>
+            </a:ln>
+          </p:spPr>
+          <p:style>
+            <a:lnRef idx="1">
+              <a:schemeClr val="accent1"/>
+            </a:lnRef>
+            <a:fillRef idx="0">
+              <a:schemeClr val="accent1"/>
+            </a:fillRef>
+            <a:effectRef idx="0">
+              <a:schemeClr val="accent1"/>
+            </a:effectRef>
+            <a:fontRef idx="minor">
+              <a:schemeClr val="tx1"/>
+            </a:fontRef>
+          </p:style>
+        </p:cxnSp>
+      </p:grpSp>
+      <p:sp>
+        <p:nvSpPr>
+          <p:cNvPr id="46" name="TextBox 45"/>
+          <p:cNvSpPr txBox="1"/>
+          <p:nvPr/>
+        </p:nvSpPr>
+        <p:spPr>
+          <a:xfrm rot="17865144">
+            <a:off x="4330004" y="3144438"/>
+            <a:ext cx="1221809" cy="430887"/>
+          </a:xfrm>
+          <a:prstGeom prst="rect">
+            <a:avLst/>
+          </a:prstGeom>
+          <a:noFill/>
+        </p:spPr>
+        <p:txBody>
+          <a:bodyPr wrap="none" rtlCol="0">
+            <a:spAutoFit/>
+          </a:bodyPr>
+          <a:lstStyle/>
+          <a:p>
+            <a:pPr algn="ctr"/>
+            <a:r>
+              <a:rPr lang="ko-KR" altLang="en-US" sz="1100" dirty="0"/>
+              <a:t>삭제된 강의평가</a:t>
+            </a:r>
+            <a:endParaRPr lang="en-US" altLang="ko-KR" sz="1100" dirty="0"/>
+          </a:p>
+          <a:p>
+            <a:pPr algn="ctr"/>
+            <a:r>
+              <a:rPr lang="ko-KR" altLang="en-US" sz="1100" dirty="0"/>
+              <a:t>질문 정보</a:t>
+            </a:r>
+            <a:endParaRPr lang="ko-KR" altLang="en-US" sz="1600" dirty="0"/>
+          </a:p>
+        </p:txBody>
+      </p:sp>
     </p:spTree>
     <p:extLst>
       <p:ext uri="{BB962C8B-B14F-4D97-AF65-F5344CB8AC3E}">

--- a/SDD 관련 자료/작업 결과물/대화 모형도/강의평가질문삭제.pptx
+++ b/SDD 관련 자료/작업 결과물/대화 모형도/강의평가질문삭제.pptx
@@ -241,7 +241,7 @@
           <a:p>
             <a:fld id="{AB5AEB98-3777-4085-A3C9-73A6E37CAD33}" type="datetimeFigureOut">
               <a:rPr lang="ko-KR" altLang="en-US" smtClean="0"/>
-              <a:t>2016-05-23</a:t>
+              <a:t>2016-05-24</a:t>
             </a:fld>
             <a:endParaRPr lang="ko-KR" altLang="en-US"/>
           </a:p>
@@ -409,7 +409,7 @@
           <a:p>
             <a:fld id="{AB5AEB98-3777-4085-A3C9-73A6E37CAD33}" type="datetimeFigureOut">
               <a:rPr lang="ko-KR" altLang="en-US" smtClean="0"/>
-              <a:t>2016-05-23</a:t>
+              <a:t>2016-05-24</a:t>
             </a:fld>
             <a:endParaRPr lang="ko-KR" altLang="en-US"/>
           </a:p>
@@ -587,7 +587,7 @@
           <a:p>
             <a:fld id="{AB5AEB98-3777-4085-A3C9-73A6E37CAD33}" type="datetimeFigureOut">
               <a:rPr lang="ko-KR" altLang="en-US" smtClean="0"/>
-              <a:t>2016-05-23</a:t>
+              <a:t>2016-05-24</a:t>
             </a:fld>
             <a:endParaRPr lang="ko-KR" altLang="en-US"/>
           </a:p>
@@ -755,7 +755,7 @@
           <a:p>
             <a:fld id="{AB5AEB98-3777-4085-A3C9-73A6E37CAD33}" type="datetimeFigureOut">
               <a:rPr lang="ko-KR" altLang="en-US" smtClean="0"/>
-              <a:t>2016-05-23</a:t>
+              <a:t>2016-05-24</a:t>
             </a:fld>
             <a:endParaRPr lang="ko-KR" altLang="en-US"/>
           </a:p>
@@ -1000,7 +1000,7 @@
           <a:p>
             <a:fld id="{AB5AEB98-3777-4085-A3C9-73A6E37CAD33}" type="datetimeFigureOut">
               <a:rPr lang="ko-KR" altLang="en-US" smtClean="0"/>
-              <a:t>2016-05-23</a:t>
+              <a:t>2016-05-24</a:t>
             </a:fld>
             <a:endParaRPr lang="ko-KR" altLang="en-US"/>
           </a:p>
@@ -1229,7 +1229,7 @@
           <a:p>
             <a:fld id="{AB5AEB98-3777-4085-A3C9-73A6E37CAD33}" type="datetimeFigureOut">
               <a:rPr lang="ko-KR" altLang="en-US" smtClean="0"/>
-              <a:t>2016-05-23</a:t>
+              <a:t>2016-05-24</a:t>
             </a:fld>
             <a:endParaRPr lang="ko-KR" altLang="en-US"/>
           </a:p>
@@ -1593,7 +1593,7 @@
           <a:p>
             <a:fld id="{AB5AEB98-3777-4085-A3C9-73A6E37CAD33}" type="datetimeFigureOut">
               <a:rPr lang="ko-KR" altLang="en-US" smtClean="0"/>
-              <a:t>2016-05-23</a:t>
+              <a:t>2016-05-24</a:t>
             </a:fld>
             <a:endParaRPr lang="ko-KR" altLang="en-US"/>
           </a:p>
@@ -1710,7 +1710,7 @@
           <a:p>
             <a:fld id="{AB5AEB98-3777-4085-A3C9-73A6E37CAD33}" type="datetimeFigureOut">
               <a:rPr lang="ko-KR" altLang="en-US" smtClean="0"/>
-              <a:t>2016-05-23</a:t>
+              <a:t>2016-05-24</a:t>
             </a:fld>
             <a:endParaRPr lang="ko-KR" altLang="en-US"/>
           </a:p>
@@ -1805,7 +1805,7 @@
           <a:p>
             <a:fld id="{AB5AEB98-3777-4085-A3C9-73A6E37CAD33}" type="datetimeFigureOut">
               <a:rPr lang="ko-KR" altLang="en-US" smtClean="0"/>
-              <a:t>2016-05-23</a:t>
+              <a:t>2016-05-24</a:t>
             </a:fld>
             <a:endParaRPr lang="ko-KR" altLang="en-US"/>
           </a:p>
@@ -2080,7 +2080,7 @@
           <a:p>
             <a:fld id="{AB5AEB98-3777-4085-A3C9-73A6E37CAD33}" type="datetimeFigureOut">
               <a:rPr lang="ko-KR" altLang="en-US" smtClean="0"/>
-              <a:t>2016-05-23</a:t>
+              <a:t>2016-05-24</a:t>
             </a:fld>
             <a:endParaRPr lang="ko-KR" altLang="en-US"/>
           </a:p>
@@ -2332,7 +2332,7 @@
           <a:p>
             <a:fld id="{AB5AEB98-3777-4085-A3C9-73A6E37CAD33}" type="datetimeFigureOut">
               <a:rPr lang="ko-KR" altLang="en-US" smtClean="0"/>
-              <a:t>2016-05-23</a:t>
+              <a:t>2016-05-24</a:t>
             </a:fld>
             <a:endParaRPr lang="ko-KR" altLang="en-US"/>
           </a:p>
@@ -2543,7 +2543,7 @@
           <a:p>
             <a:fld id="{AB5AEB98-3777-4085-A3C9-73A6E37CAD33}" type="datetimeFigureOut">
               <a:rPr lang="ko-KR" altLang="en-US" smtClean="0"/>
-              <a:t>2016-05-23</a:t>
+              <a:t>2016-05-24</a:t>
             </a:fld>
             <a:endParaRPr lang="ko-KR" altLang="en-US"/>
           </a:p>
@@ -2956,7 +2956,7 @@
         </p:nvSpPr>
         <p:spPr>
           <a:xfrm>
-            <a:off x="363431" y="3940001"/>
+            <a:off x="3087551" y="6363113"/>
             <a:ext cx="1556992" cy="726131"/>
           </a:xfrm>
           <a:prstGeom prst="rect">
@@ -3028,7 +3028,7 @@
         </p:nvCxnSpPr>
         <p:spPr>
           <a:xfrm flipH="1">
-            <a:off x="1141927" y="924746"/>
+            <a:off x="3866047" y="3347858"/>
             <a:ext cx="3716977" cy="3015255"/>
           </a:xfrm>
           <a:prstGeom prst="straightConnector1">
@@ -3062,7 +3062,7 @@
         </p:nvSpPr>
         <p:spPr>
           <a:xfrm>
-            <a:off x="5959514" y="4934122"/>
+            <a:off x="8683634" y="7357234"/>
             <a:ext cx="1556992" cy="726131"/>
           </a:xfrm>
           <a:prstGeom prst="rect">
@@ -3132,7 +3132,7 @@
         </p:nvSpPr>
         <p:spPr>
           <a:xfrm>
-            <a:off x="8570107" y="3940001"/>
+            <a:off x="11294227" y="6363113"/>
             <a:ext cx="1556992" cy="726131"/>
           </a:xfrm>
           <a:prstGeom prst="rect">
@@ -3187,7 +3187,7 @@
         </p:nvCxnSpPr>
         <p:spPr>
           <a:xfrm flipH="1">
-            <a:off x="3591321" y="921779"/>
+            <a:off x="6315441" y="3344891"/>
             <a:ext cx="1617940" cy="4012343"/>
           </a:xfrm>
           <a:prstGeom prst="straightConnector1">
@@ -3223,7 +3223,7 @@
         </p:nvCxnSpPr>
         <p:spPr>
           <a:xfrm>
-            <a:off x="5959514" y="921779"/>
+            <a:off x="8683634" y="3344891"/>
             <a:ext cx="3389089" cy="3018222"/>
           </a:xfrm>
           <a:prstGeom prst="straightConnector1">
@@ -3257,7 +3257,7 @@
         </p:nvGrpSpPr>
         <p:grpSpPr>
           <a:xfrm rot="282253">
-            <a:off x="7589569" y="2003062"/>
+            <a:off x="10313689" y="4426174"/>
             <a:ext cx="465295" cy="429840"/>
             <a:chOff x="5764817" y="2081712"/>
             <a:chExt cx="465295" cy="429840"/>
@@ -3353,7 +3353,7 @@
         </p:nvSpPr>
         <p:spPr>
           <a:xfrm rot="2557281">
-            <a:off x="7715372" y="2028992"/>
+            <a:off x="10439492" y="4452104"/>
             <a:ext cx="798617" cy="261610"/>
           </a:xfrm>
           <a:prstGeom prst="rect">
@@ -3383,7 +3383,7 @@
         </p:nvGrpSpPr>
         <p:grpSpPr>
           <a:xfrm rot="16602684">
-            <a:off x="2290570" y="2287675"/>
+            <a:off x="5014690" y="4710787"/>
             <a:ext cx="465295" cy="429840"/>
             <a:chOff x="5764817" y="2081712"/>
             <a:chExt cx="465295" cy="429840"/>
@@ -3479,7 +3479,7 @@
         </p:nvSpPr>
         <p:spPr>
           <a:xfrm rot="19199642">
-            <a:off x="1284126" y="2221873"/>
+            <a:off x="4008246" y="4644985"/>
             <a:ext cx="2064041" cy="261610"/>
           </a:xfrm>
           <a:prstGeom prst="rect">
@@ -3498,66 +3498,6 @@
               <a:t>강의 평가 질문 삭제 정보</a:t>
             </a:r>
             <a:endParaRPr lang="ko-KR" altLang="en-US" sz="1600" dirty="0"/>
-          </a:p>
-        </p:txBody>
-      </p:sp>
-      <p:sp>
-        <p:nvSpPr>
-          <p:cNvPr id="25" name="직사각형 24"/>
-          <p:cNvSpPr/>
-          <p:nvPr/>
-        </p:nvSpPr>
-        <p:spPr>
-          <a:xfrm>
-            <a:off x="4631947" y="182632"/>
-            <a:ext cx="1556992" cy="726131"/>
-          </a:xfrm>
-          <a:prstGeom prst="rect">
-            <a:avLst/>
-          </a:prstGeom>
-          <a:noFill/>
-          <a:ln w="31750">
-            <a:solidFill>
-              <a:schemeClr val="accent1">
-                <a:shade val="50000"/>
-              </a:schemeClr>
-            </a:solidFill>
-          </a:ln>
-        </p:spPr>
-        <p:style>
-          <a:lnRef idx="2">
-            <a:schemeClr val="accent1">
-              <a:shade val="50000"/>
-            </a:schemeClr>
-          </a:lnRef>
-          <a:fillRef idx="1">
-            <a:schemeClr val="accent1"/>
-          </a:fillRef>
-          <a:effectRef idx="0">
-            <a:schemeClr val="accent1"/>
-          </a:effectRef>
-          <a:fontRef idx="minor">
-            <a:schemeClr val="lt1"/>
-          </a:fontRef>
-        </p:style>
-        <p:txBody>
-          <a:bodyPr rtlCol="0" anchor="ctr"/>
-          <a:lstStyle/>
-          <a:p>
-            <a:pPr algn="ctr"/>
-            <a:r>
-              <a:rPr lang="ko-KR" altLang="en-US" sz="1100" dirty="0">
-                <a:solidFill>
-                  <a:sysClr val="windowText" lastClr="000000"/>
-                </a:solidFill>
-              </a:rPr>
-              <a:t>강의평가 질문 삭제</a:t>
-            </a:r>
-            <a:endParaRPr lang="en-US" altLang="ko-KR" sz="1100" dirty="0">
-              <a:solidFill>
-                <a:sysClr val="windowText" lastClr="000000"/>
-              </a:solidFill>
-            </a:endParaRPr>
           </a:p>
         </p:txBody>
       </p:sp>
@@ -3569,7 +3509,7 @@
         </p:nvGrpSpPr>
         <p:grpSpPr>
           <a:xfrm rot="1952499">
-            <a:off x="5431728" y="1752728"/>
+            <a:off x="8155848" y="4175840"/>
             <a:ext cx="465295" cy="429840"/>
             <a:chOff x="5764817" y="2081712"/>
             <a:chExt cx="465295" cy="429840"/>
@@ -3665,7 +3605,7 @@
         </p:nvSpPr>
         <p:spPr>
           <a:xfrm rot="15427772">
-            <a:off x="4698308" y="1833640"/>
+            <a:off x="7422428" y="4256752"/>
             <a:ext cx="1221809" cy="430887"/>
           </a:xfrm>
           <a:prstGeom prst="rect">
@@ -3704,7 +3644,7 @@
         </p:nvGrpSpPr>
         <p:grpSpPr>
           <a:xfrm>
-            <a:off x="2760187" y="4959490"/>
+            <a:off x="5484307" y="7382602"/>
             <a:ext cx="1561933" cy="676405"/>
             <a:chOff x="8118153" y="2442575"/>
             <a:chExt cx="1561933" cy="676405"/>
@@ -3953,7 +3893,7 @@
         </p:nvCxnSpPr>
         <p:spPr>
           <a:xfrm>
-            <a:off x="5649865" y="924745"/>
+            <a:off x="8373985" y="3347857"/>
             <a:ext cx="1088145" cy="4009377"/>
           </a:xfrm>
           <a:prstGeom prst="straightConnector1">
@@ -3987,7 +3927,7 @@
         </p:nvGrpSpPr>
         <p:grpSpPr>
           <a:xfrm rot="15386436">
-            <a:off x="3882890" y="2829870"/>
+            <a:off x="6607010" y="5252982"/>
             <a:ext cx="465295" cy="429840"/>
             <a:chOff x="5764817" y="2081712"/>
             <a:chExt cx="465295" cy="429840"/>
@@ -4083,7 +4023,7 @@
         </p:nvSpPr>
         <p:spPr>
           <a:xfrm rot="17772725">
-            <a:off x="2812767" y="2766051"/>
+            <a:off x="5536887" y="5189163"/>
             <a:ext cx="2065042" cy="261610"/>
           </a:xfrm>
           <a:prstGeom prst="rect">
@@ -4113,7 +4053,7 @@
         </p:nvGrpSpPr>
         <p:grpSpPr>
           <a:xfrm rot="1952499">
-            <a:off x="5813463" y="3359732"/>
+            <a:off x="8537583" y="5782844"/>
             <a:ext cx="465295" cy="429840"/>
             <a:chOff x="5764817" y="2081712"/>
             <a:chExt cx="465295" cy="429840"/>
@@ -4209,7 +4149,7 @@
         </p:nvSpPr>
         <p:spPr>
           <a:xfrm rot="15264010">
-            <a:off x="4773900" y="3557577"/>
+            <a:off x="7498020" y="5980689"/>
             <a:ext cx="1885453" cy="261610"/>
           </a:xfrm>
           <a:prstGeom prst="rect">
@@ -4239,7 +4179,7 @@
         </p:nvGrpSpPr>
         <p:grpSpPr>
           <a:xfrm rot="12890091">
-            <a:off x="6635447" y="3768027"/>
+            <a:off x="9359567" y="6191139"/>
             <a:ext cx="465295" cy="429840"/>
             <a:chOff x="5764817" y="2081712"/>
             <a:chExt cx="465295" cy="429840"/>
@@ -4337,7 +4277,7 @@
         </p:nvSpPr>
         <p:spPr>
           <a:xfrm rot="4467908">
-            <a:off x="6542265" y="3703123"/>
+            <a:off x="9266385" y="6126235"/>
             <a:ext cx="1462260" cy="430887"/>
           </a:xfrm>
           <a:prstGeom prst="rect">
@@ -4376,7 +4316,7 @@
         </p:nvGrpSpPr>
         <p:grpSpPr>
           <a:xfrm rot="4479793">
-            <a:off x="4360018" y="2994237"/>
+            <a:off x="7084138" y="5417349"/>
             <a:ext cx="465295" cy="429840"/>
             <a:chOff x="5764817" y="2081712"/>
             <a:chExt cx="465295" cy="429840"/>
@@ -4472,7 +4412,7 @@
         </p:nvSpPr>
         <p:spPr>
           <a:xfrm rot="17865144">
-            <a:off x="4330004" y="3144438"/>
+            <a:off x="7054124" y="5567550"/>
             <a:ext cx="1221809" cy="430887"/>
           </a:xfrm>
           <a:prstGeom prst="rect">
@@ -4498,6 +4438,1007 @@
             <a:r>
               <a:rPr lang="ko-KR" altLang="en-US" sz="1100" dirty="0"/>
               <a:t>질문 정보</a:t>
+            </a:r>
+            <a:endParaRPr lang="ko-KR" altLang="en-US" sz="1600" dirty="0"/>
+          </a:p>
+        </p:txBody>
+      </p:sp>
+      <p:sp>
+        <p:nvSpPr>
+          <p:cNvPr id="100" name="직사각형 99"/>
+          <p:cNvSpPr/>
+          <p:nvPr/>
+        </p:nvSpPr>
+        <p:spPr>
+          <a:xfrm>
+            <a:off x="4589389" y="260769"/>
+            <a:ext cx="1556992" cy="726131"/>
+          </a:xfrm>
+          <a:prstGeom prst="rect">
+            <a:avLst/>
+          </a:prstGeom>
+          <a:noFill/>
+          <a:ln w="31750">
+            <a:solidFill>
+              <a:schemeClr val="accent1">
+                <a:shade val="50000"/>
+              </a:schemeClr>
+            </a:solidFill>
+          </a:ln>
+        </p:spPr>
+        <p:style>
+          <a:lnRef idx="2">
+            <a:schemeClr val="accent1">
+              <a:shade val="50000"/>
+            </a:schemeClr>
+          </a:lnRef>
+          <a:fillRef idx="1">
+            <a:schemeClr val="accent1"/>
+          </a:fillRef>
+          <a:effectRef idx="0">
+            <a:schemeClr val="accent1"/>
+          </a:effectRef>
+          <a:fontRef idx="minor">
+            <a:schemeClr val="lt1"/>
+          </a:fontRef>
+        </p:style>
+        <p:txBody>
+          <a:bodyPr rtlCol="0" anchor="ctr"/>
+          <a:lstStyle/>
+          <a:p>
+            <a:pPr algn="ctr"/>
+            <a:r>
+              <a:rPr lang="ko-KR" altLang="en-US" sz="1100" dirty="0">
+                <a:solidFill>
+                  <a:sysClr val="windowText" lastClr="000000"/>
+                </a:solidFill>
+              </a:rPr>
+              <a:t>강의평가 질문 수정</a:t>
+            </a:r>
+          </a:p>
+        </p:txBody>
+      </p:sp>
+      <p:sp>
+        <p:nvSpPr>
+          <p:cNvPr id="101" name="직사각형 100"/>
+          <p:cNvSpPr/>
+          <p:nvPr/>
+        </p:nvSpPr>
+        <p:spPr>
+          <a:xfrm>
+            <a:off x="1957218" y="2608977"/>
+            <a:ext cx="1556992" cy="726131"/>
+          </a:xfrm>
+          <a:prstGeom prst="rect">
+            <a:avLst/>
+          </a:prstGeom>
+          <a:noFill/>
+          <a:ln w="31750">
+            <a:solidFill>
+              <a:schemeClr val="accent1">
+                <a:shade val="50000"/>
+              </a:schemeClr>
+            </a:solidFill>
+          </a:ln>
+        </p:spPr>
+        <p:style>
+          <a:lnRef idx="2">
+            <a:schemeClr val="accent1">
+              <a:shade val="50000"/>
+            </a:schemeClr>
+          </a:lnRef>
+          <a:fillRef idx="1">
+            <a:schemeClr val="accent1"/>
+          </a:fillRef>
+          <a:effectRef idx="0">
+            <a:schemeClr val="accent1"/>
+          </a:effectRef>
+          <a:fontRef idx="minor">
+            <a:schemeClr val="lt1"/>
+          </a:fontRef>
+        </p:style>
+        <p:txBody>
+          <a:bodyPr rtlCol="0" anchor="ctr"/>
+          <a:lstStyle/>
+          <a:p>
+            <a:pPr algn="ctr"/>
+            <a:r>
+              <a:rPr lang="ko-KR" altLang="en-US" sz="1100" dirty="0">
+                <a:solidFill>
+                  <a:schemeClr val="tx1"/>
+                </a:solidFill>
+              </a:rPr>
+              <a:t>권한 체크</a:t>
+            </a:r>
+          </a:p>
+        </p:txBody>
+      </p:sp>
+      <p:cxnSp>
+        <p:nvCxnSpPr>
+          <p:cNvPr id="102" name="직선 화살표 연결선 101"/>
+          <p:cNvCxnSpPr>
+            <a:stCxn id="100" idx="2"/>
+            <a:endCxn id="101" idx="0"/>
+          </p:cNvCxnSpPr>
+          <p:nvPr/>
+        </p:nvCxnSpPr>
+        <p:spPr>
+          <a:xfrm flipH="1">
+            <a:off x="2735714" y="986900"/>
+            <a:ext cx="2632171" cy="1622077"/>
+          </a:xfrm>
+          <a:prstGeom prst="straightConnector1">
+            <a:avLst/>
+          </a:prstGeom>
+          <a:ln w="38100">
+            <a:headEnd w="lg" len="lg"/>
+            <a:tailEnd type="triangle"/>
+          </a:ln>
+        </p:spPr>
+        <p:style>
+          <a:lnRef idx="1">
+            <a:schemeClr val="accent1"/>
+          </a:lnRef>
+          <a:fillRef idx="0">
+            <a:schemeClr val="accent1"/>
+          </a:fillRef>
+          <a:effectRef idx="0">
+            <a:schemeClr val="accent1"/>
+          </a:effectRef>
+          <a:fontRef idx="minor">
+            <a:schemeClr val="tx1"/>
+          </a:fontRef>
+        </p:style>
+      </p:cxnSp>
+      <p:sp>
+        <p:nvSpPr>
+          <p:cNvPr id="103" name="직사각형 102"/>
+          <p:cNvSpPr/>
+          <p:nvPr/>
+        </p:nvSpPr>
+        <p:spPr>
+          <a:xfrm>
+            <a:off x="4767694" y="2634065"/>
+            <a:ext cx="1556992" cy="726131"/>
+          </a:xfrm>
+          <a:prstGeom prst="rect">
+            <a:avLst/>
+          </a:prstGeom>
+          <a:noFill/>
+          <a:ln w="31750">
+            <a:solidFill>
+              <a:schemeClr val="accent1">
+                <a:shade val="50000"/>
+              </a:schemeClr>
+            </a:solidFill>
+          </a:ln>
+        </p:spPr>
+        <p:style>
+          <a:lnRef idx="2">
+            <a:schemeClr val="accent1">
+              <a:shade val="50000"/>
+            </a:schemeClr>
+          </a:lnRef>
+          <a:fillRef idx="1">
+            <a:schemeClr val="accent1"/>
+          </a:fillRef>
+          <a:effectRef idx="0">
+            <a:schemeClr val="accent1"/>
+          </a:effectRef>
+          <a:fontRef idx="minor">
+            <a:schemeClr val="lt1"/>
+          </a:fontRef>
+        </p:style>
+        <p:txBody>
+          <a:bodyPr rtlCol="0" anchor="ctr"/>
+          <a:lstStyle/>
+          <a:p>
+            <a:pPr algn="ctr"/>
+            <a:r>
+              <a:rPr lang="ko-KR" altLang="en-US" sz="1100" dirty="0">
+                <a:solidFill>
+                  <a:schemeClr val="tx1"/>
+                </a:solidFill>
+              </a:rPr>
+              <a:t>화면 출력</a:t>
+            </a:r>
+          </a:p>
+        </p:txBody>
+      </p:sp>
+      <p:grpSp>
+        <p:nvGrpSpPr>
+          <p:cNvPr id="104" name="그룹 103"/>
+          <p:cNvGrpSpPr/>
+          <p:nvPr/>
+        </p:nvGrpSpPr>
+        <p:grpSpPr>
+          <a:xfrm rot="5672329">
+            <a:off x="3346306" y="1552944"/>
+            <a:ext cx="465295" cy="429840"/>
+            <a:chOff x="5764817" y="2081712"/>
+            <a:chExt cx="465295" cy="429840"/>
+          </a:xfrm>
+        </p:grpSpPr>
+        <p:sp>
+          <p:nvSpPr>
+            <p:cNvPr id="105" name="타원 104"/>
+            <p:cNvSpPr/>
+            <p:nvPr/>
+          </p:nvSpPr>
+          <p:spPr>
+            <a:xfrm>
+              <a:off x="5764817" y="2081712"/>
+              <a:ext cx="254984" cy="254984"/>
+            </a:xfrm>
+            <a:prstGeom prst="ellipse">
+              <a:avLst/>
+            </a:prstGeom>
+            <a:noFill/>
+            <a:ln w="38100">
+              <a:solidFill>
+                <a:schemeClr val="accent1"/>
+              </a:solidFill>
+            </a:ln>
+          </p:spPr>
+          <p:style>
+            <a:lnRef idx="2">
+              <a:schemeClr val="accent1">
+                <a:shade val="50000"/>
+              </a:schemeClr>
+            </a:lnRef>
+            <a:fillRef idx="1">
+              <a:schemeClr val="accent1"/>
+            </a:fillRef>
+            <a:effectRef idx="0">
+              <a:schemeClr val="accent1"/>
+            </a:effectRef>
+            <a:fontRef idx="minor">
+              <a:schemeClr val="lt1"/>
+            </a:fontRef>
+          </p:style>
+          <p:txBody>
+            <a:bodyPr rtlCol="0" anchor="ctr"/>
+            <a:lstStyle/>
+            <a:p>
+              <a:pPr algn="ctr"/>
+              <a:endParaRPr lang="ko-KR" altLang="en-US"/>
+            </a:p>
+          </p:txBody>
+        </p:sp>
+        <p:cxnSp>
+          <p:nvCxnSpPr>
+            <p:cNvPr id="106" name="직선 연결선 105"/>
+            <p:cNvCxnSpPr>
+              <a:endCxn id="105" idx="5"/>
+            </p:cNvCxnSpPr>
+            <p:nvPr/>
+          </p:nvCxnSpPr>
+          <p:spPr>
+            <a:xfrm flipH="1" flipV="1">
+              <a:off x="5982459" y="2299354"/>
+              <a:ext cx="247653" cy="212198"/>
+            </a:xfrm>
+            <a:prstGeom prst="line">
+              <a:avLst/>
+            </a:prstGeom>
+            <a:ln w="38100">
+              <a:headEnd type="stealth" w="lg" len="lg"/>
+            </a:ln>
+          </p:spPr>
+          <p:style>
+            <a:lnRef idx="1">
+              <a:schemeClr val="accent1"/>
+            </a:lnRef>
+            <a:fillRef idx="0">
+              <a:schemeClr val="accent1"/>
+            </a:fillRef>
+            <a:effectRef idx="0">
+              <a:schemeClr val="accent1"/>
+            </a:effectRef>
+            <a:fontRef idx="minor">
+              <a:schemeClr val="tx1"/>
+            </a:fontRef>
+          </p:style>
+        </p:cxnSp>
+      </p:grpSp>
+      <p:sp>
+        <p:nvSpPr>
+          <p:cNvPr id="107" name="TextBox 106"/>
+          <p:cNvSpPr txBox="1"/>
+          <p:nvPr/>
+        </p:nvSpPr>
+        <p:spPr>
+          <a:xfrm rot="19188507">
+            <a:off x="2870440" y="1457055"/>
+            <a:ext cx="798617" cy="261610"/>
+          </a:xfrm>
+          <a:prstGeom prst="rect">
+            <a:avLst/>
+          </a:prstGeom>
+          <a:noFill/>
+        </p:spPr>
+        <p:txBody>
+          <a:bodyPr wrap="none" rtlCol="0">
+            <a:spAutoFit/>
+          </a:bodyPr>
+          <a:lstStyle/>
+          <a:p>
+            <a:pPr algn="ctr"/>
+            <a:r>
+              <a:rPr lang="ko-KR" altLang="en-US" sz="1100" dirty="0"/>
+              <a:t>권한 정보</a:t>
+            </a:r>
+            <a:endParaRPr lang="ko-KR" altLang="en-US" sz="1600" dirty="0"/>
+          </a:p>
+        </p:txBody>
+      </p:sp>
+      <p:grpSp>
+        <p:nvGrpSpPr>
+          <p:cNvPr id="108" name="그룹 107"/>
+          <p:cNvGrpSpPr/>
+          <p:nvPr/>
+        </p:nvGrpSpPr>
+        <p:grpSpPr>
+          <a:xfrm rot="2052325">
+            <a:off x="5416990" y="1620129"/>
+            <a:ext cx="465295" cy="429840"/>
+            <a:chOff x="5764817" y="2081712"/>
+            <a:chExt cx="465295" cy="429840"/>
+          </a:xfrm>
+        </p:grpSpPr>
+        <p:sp>
+          <p:nvSpPr>
+            <p:cNvPr id="109" name="타원 108"/>
+            <p:cNvSpPr/>
+            <p:nvPr/>
+          </p:nvSpPr>
+          <p:spPr>
+            <a:xfrm>
+              <a:off x="5764817" y="2081712"/>
+              <a:ext cx="254984" cy="254984"/>
+            </a:xfrm>
+            <a:prstGeom prst="ellipse">
+              <a:avLst/>
+            </a:prstGeom>
+            <a:noFill/>
+            <a:ln w="38100">
+              <a:solidFill>
+                <a:schemeClr val="accent1"/>
+              </a:solidFill>
+            </a:ln>
+          </p:spPr>
+          <p:style>
+            <a:lnRef idx="2">
+              <a:schemeClr val="accent1">
+                <a:shade val="50000"/>
+              </a:schemeClr>
+            </a:lnRef>
+            <a:fillRef idx="1">
+              <a:schemeClr val="accent1"/>
+            </a:fillRef>
+            <a:effectRef idx="0">
+              <a:schemeClr val="accent1"/>
+            </a:effectRef>
+            <a:fontRef idx="minor">
+              <a:schemeClr val="lt1"/>
+            </a:fontRef>
+          </p:style>
+          <p:txBody>
+            <a:bodyPr rtlCol="0" anchor="ctr"/>
+            <a:lstStyle/>
+            <a:p>
+              <a:pPr algn="ctr"/>
+              <a:endParaRPr lang="ko-KR" altLang="en-US"/>
+            </a:p>
+          </p:txBody>
+        </p:sp>
+        <p:cxnSp>
+          <p:nvCxnSpPr>
+            <p:cNvPr id="110" name="직선 연결선 109"/>
+            <p:cNvCxnSpPr>
+              <a:endCxn id="109" idx="5"/>
+            </p:cNvCxnSpPr>
+            <p:nvPr/>
+          </p:nvCxnSpPr>
+          <p:spPr>
+            <a:xfrm flipH="1" flipV="1">
+              <a:off x="5982459" y="2299354"/>
+              <a:ext cx="247653" cy="212198"/>
+            </a:xfrm>
+            <a:prstGeom prst="line">
+              <a:avLst/>
+            </a:prstGeom>
+            <a:ln w="38100">
+              <a:headEnd type="stealth" w="lg" len="lg"/>
+            </a:ln>
+          </p:spPr>
+          <p:style>
+            <a:lnRef idx="1">
+              <a:schemeClr val="accent1"/>
+            </a:lnRef>
+            <a:fillRef idx="0">
+              <a:schemeClr val="accent1"/>
+            </a:fillRef>
+            <a:effectRef idx="0">
+              <a:schemeClr val="accent1"/>
+            </a:effectRef>
+            <a:fontRef idx="minor">
+              <a:schemeClr val="tx1"/>
+            </a:fontRef>
+          </p:style>
+        </p:cxnSp>
+      </p:grpSp>
+      <p:sp>
+        <p:nvSpPr>
+          <p:cNvPr id="111" name="TextBox 110"/>
+          <p:cNvSpPr txBox="1"/>
+          <p:nvPr/>
+        </p:nvSpPr>
+        <p:spPr>
+          <a:xfrm rot="4709987">
+            <a:off x="5627935" y="1718996"/>
+            <a:ext cx="657552" cy="261610"/>
+          </a:xfrm>
+          <a:prstGeom prst="rect">
+            <a:avLst/>
+          </a:prstGeom>
+          <a:noFill/>
+        </p:spPr>
+        <p:txBody>
+          <a:bodyPr wrap="none" rtlCol="0">
+            <a:spAutoFit/>
+          </a:bodyPr>
+          <a:lstStyle/>
+          <a:p>
+            <a:pPr algn="ctr"/>
+            <a:r>
+              <a:rPr lang="ko-KR" altLang="en-US" sz="1100" dirty="0"/>
+              <a:t>화면 명</a:t>
+            </a:r>
+            <a:endParaRPr lang="ko-KR" altLang="en-US" sz="1600" dirty="0"/>
+          </a:p>
+        </p:txBody>
+      </p:sp>
+      <p:sp>
+        <p:nvSpPr>
+          <p:cNvPr id="112" name="TextBox 111"/>
+          <p:cNvSpPr txBox="1"/>
+          <p:nvPr/>
+        </p:nvSpPr>
+        <p:spPr>
+          <a:xfrm rot="4709987">
+            <a:off x="4494770" y="1871884"/>
+            <a:ext cx="798617" cy="430887"/>
+          </a:xfrm>
+          <a:prstGeom prst="rect">
+            <a:avLst/>
+          </a:prstGeom>
+          <a:noFill/>
+        </p:spPr>
+        <p:txBody>
+          <a:bodyPr wrap="none" rtlCol="0">
+            <a:spAutoFit/>
+          </a:bodyPr>
+          <a:lstStyle/>
+          <a:p>
+            <a:pPr algn="ctr"/>
+            <a:r>
+              <a:rPr lang="ko-KR" altLang="en-US" sz="1100" dirty="0"/>
+              <a:t>권한 확인</a:t>
+            </a:r>
+            <a:endParaRPr lang="en-US" altLang="ko-KR" sz="1100" dirty="0"/>
+          </a:p>
+          <a:p>
+            <a:pPr algn="ctr"/>
+            <a:r>
+              <a:rPr lang="ko-KR" altLang="en-US" sz="1100" dirty="0"/>
+              <a:t>정보</a:t>
+            </a:r>
+            <a:endParaRPr lang="ko-KR" altLang="en-US" sz="1600" dirty="0"/>
+          </a:p>
+        </p:txBody>
+      </p:sp>
+      <p:cxnSp>
+        <p:nvCxnSpPr>
+          <p:cNvPr id="113" name="직선 화살표 연결선 112"/>
+          <p:cNvCxnSpPr>
+            <a:stCxn id="100" idx="2"/>
+            <a:endCxn id="103" idx="0"/>
+          </p:cNvCxnSpPr>
+          <p:nvPr/>
+        </p:nvCxnSpPr>
+        <p:spPr>
+          <a:xfrm>
+            <a:off x="5367885" y="986900"/>
+            <a:ext cx="178305" cy="1647165"/>
+          </a:xfrm>
+          <a:prstGeom prst="straightConnector1">
+            <a:avLst/>
+          </a:prstGeom>
+          <a:ln w="38100">
+            <a:headEnd w="lg" len="lg"/>
+            <a:tailEnd type="triangle"/>
+          </a:ln>
+        </p:spPr>
+        <p:style>
+          <a:lnRef idx="1">
+            <a:schemeClr val="accent1"/>
+          </a:lnRef>
+          <a:fillRef idx="0">
+            <a:schemeClr val="accent1"/>
+          </a:fillRef>
+          <a:effectRef idx="0">
+            <a:schemeClr val="accent1"/>
+          </a:effectRef>
+          <a:fontRef idx="minor">
+            <a:schemeClr val="tx1"/>
+          </a:fontRef>
+        </p:style>
+      </p:cxnSp>
+      <p:grpSp>
+        <p:nvGrpSpPr>
+          <p:cNvPr id="114" name="그룹 113"/>
+          <p:cNvGrpSpPr/>
+          <p:nvPr/>
+        </p:nvGrpSpPr>
+        <p:grpSpPr>
+          <a:xfrm rot="2228231">
+            <a:off x="4954631" y="1797240"/>
+            <a:ext cx="465295" cy="429840"/>
+            <a:chOff x="5764817" y="2081712"/>
+            <a:chExt cx="465295" cy="429840"/>
+          </a:xfrm>
+        </p:grpSpPr>
+        <p:sp>
+          <p:nvSpPr>
+            <p:cNvPr id="115" name="타원 114"/>
+            <p:cNvSpPr/>
+            <p:nvPr/>
+          </p:nvSpPr>
+          <p:spPr>
+            <a:xfrm>
+              <a:off x="5764817" y="2081712"/>
+              <a:ext cx="254984" cy="254984"/>
+            </a:xfrm>
+            <a:prstGeom prst="ellipse">
+              <a:avLst/>
+            </a:prstGeom>
+            <a:solidFill>
+              <a:schemeClr val="accent1"/>
+            </a:solidFill>
+            <a:ln w="38100">
+              <a:solidFill>
+                <a:schemeClr val="accent1"/>
+              </a:solidFill>
+            </a:ln>
+          </p:spPr>
+          <p:style>
+            <a:lnRef idx="2">
+              <a:schemeClr val="accent1">
+                <a:shade val="50000"/>
+              </a:schemeClr>
+            </a:lnRef>
+            <a:fillRef idx="1">
+              <a:schemeClr val="accent1"/>
+            </a:fillRef>
+            <a:effectRef idx="0">
+              <a:schemeClr val="accent1"/>
+            </a:effectRef>
+            <a:fontRef idx="minor">
+              <a:schemeClr val="lt1"/>
+            </a:fontRef>
+          </p:style>
+          <p:txBody>
+            <a:bodyPr rtlCol="0" anchor="ctr"/>
+            <a:lstStyle/>
+            <a:p>
+              <a:pPr algn="ctr"/>
+              <a:endParaRPr lang="ko-KR" altLang="en-US"/>
+            </a:p>
+          </p:txBody>
+        </p:sp>
+        <p:cxnSp>
+          <p:nvCxnSpPr>
+            <p:cNvPr id="116" name="직선 연결선 115"/>
+            <p:cNvCxnSpPr>
+              <a:endCxn id="115" idx="5"/>
+            </p:cNvCxnSpPr>
+            <p:nvPr/>
+          </p:nvCxnSpPr>
+          <p:spPr>
+            <a:xfrm flipH="1" flipV="1">
+              <a:off x="5982459" y="2299354"/>
+              <a:ext cx="247653" cy="212198"/>
+            </a:xfrm>
+            <a:prstGeom prst="line">
+              <a:avLst/>
+            </a:prstGeom>
+            <a:ln w="38100">
+              <a:headEnd type="stealth" w="lg" len="lg"/>
+            </a:ln>
+          </p:spPr>
+          <p:style>
+            <a:lnRef idx="1">
+              <a:schemeClr val="accent1"/>
+            </a:lnRef>
+            <a:fillRef idx="0">
+              <a:schemeClr val="accent1"/>
+            </a:fillRef>
+            <a:effectRef idx="0">
+              <a:schemeClr val="accent1"/>
+            </a:effectRef>
+            <a:fontRef idx="minor">
+              <a:schemeClr val="tx1"/>
+            </a:fontRef>
+          </p:style>
+        </p:cxnSp>
+      </p:grpSp>
+      <p:sp>
+        <p:nvSpPr>
+          <p:cNvPr id="117" name="직사각형 116"/>
+          <p:cNvSpPr/>
+          <p:nvPr/>
+        </p:nvSpPr>
+        <p:spPr>
+          <a:xfrm>
+            <a:off x="7355869" y="2639362"/>
+            <a:ext cx="1556992" cy="726131"/>
+          </a:xfrm>
+          <a:prstGeom prst="rect">
+            <a:avLst/>
+          </a:prstGeom>
+          <a:noFill/>
+          <a:ln w="31750">
+            <a:solidFill>
+              <a:schemeClr val="accent1">
+                <a:shade val="50000"/>
+              </a:schemeClr>
+            </a:solidFill>
+          </a:ln>
+        </p:spPr>
+        <p:style>
+          <a:lnRef idx="2">
+            <a:schemeClr val="accent1">
+              <a:shade val="50000"/>
+            </a:schemeClr>
+          </a:lnRef>
+          <a:fillRef idx="1">
+            <a:schemeClr val="accent1"/>
+          </a:fillRef>
+          <a:effectRef idx="0">
+            <a:schemeClr val="accent1"/>
+          </a:effectRef>
+          <a:fontRef idx="minor">
+            <a:schemeClr val="lt1"/>
+          </a:fontRef>
+        </p:style>
+        <p:txBody>
+          <a:bodyPr rtlCol="0" anchor="ctr"/>
+          <a:lstStyle/>
+          <a:p>
+            <a:pPr algn="ctr"/>
+            <a:r>
+              <a:rPr lang="ko-KR" altLang="en-US" sz="1100" dirty="0">
+                <a:solidFill>
+                  <a:schemeClr val="tx1"/>
+                </a:solidFill>
+              </a:rPr>
+              <a:t>강의 평가 질문 수정</a:t>
+            </a:r>
+            <a:endParaRPr lang="en-US" altLang="ko-KR" sz="1100" dirty="0">
+              <a:solidFill>
+                <a:schemeClr val="tx1"/>
+              </a:solidFill>
+            </a:endParaRPr>
+          </a:p>
+        </p:txBody>
+      </p:sp>
+      <p:cxnSp>
+        <p:nvCxnSpPr>
+          <p:cNvPr id="118" name="직선 화살표 연결선 117"/>
+          <p:cNvCxnSpPr>
+            <a:stCxn id="100" idx="2"/>
+            <a:endCxn id="117" idx="0"/>
+          </p:cNvCxnSpPr>
+          <p:nvPr/>
+        </p:nvCxnSpPr>
+        <p:spPr>
+          <a:xfrm>
+            <a:off x="5367885" y="986900"/>
+            <a:ext cx="2766480" cy="1652462"/>
+          </a:xfrm>
+          <a:prstGeom prst="straightConnector1">
+            <a:avLst/>
+          </a:prstGeom>
+          <a:ln w="38100">
+            <a:headEnd w="lg" len="lg"/>
+            <a:tailEnd type="triangle"/>
+          </a:ln>
+        </p:spPr>
+        <p:style>
+          <a:lnRef idx="1">
+            <a:schemeClr val="accent1"/>
+          </a:lnRef>
+          <a:fillRef idx="0">
+            <a:schemeClr val="accent1"/>
+          </a:fillRef>
+          <a:effectRef idx="0">
+            <a:schemeClr val="accent1"/>
+          </a:effectRef>
+          <a:fontRef idx="minor">
+            <a:schemeClr val="tx1"/>
+          </a:fontRef>
+        </p:style>
+      </p:cxnSp>
+      <p:grpSp>
+        <p:nvGrpSpPr>
+          <p:cNvPr id="119" name="그룹 118"/>
+          <p:cNvGrpSpPr/>
+          <p:nvPr/>
+        </p:nvGrpSpPr>
+        <p:grpSpPr>
+          <a:xfrm rot="16791279">
+            <a:off x="3696780" y="1918811"/>
+            <a:ext cx="465295" cy="429840"/>
+            <a:chOff x="5764817" y="2081712"/>
+            <a:chExt cx="465295" cy="429840"/>
+          </a:xfrm>
+        </p:grpSpPr>
+        <p:sp>
+          <p:nvSpPr>
+            <p:cNvPr id="120" name="타원 119"/>
+            <p:cNvSpPr/>
+            <p:nvPr/>
+          </p:nvSpPr>
+          <p:spPr>
+            <a:xfrm>
+              <a:off x="5764817" y="2081712"/>
+              <a:ext cx="254984" cy="254984"/>
+            </a:xfrm>
+            <a:prstGeom prst="ellipse">
+              <a:avLst/>
+            </a:prstGeom>
+            <a:solidFill>
+              <a:schemeClr val="accent1"/>
+            </a:solidFill>
+            <a:ln w="38100">
+              <a:solidFill>
+                <a:schemeClr val="accent1"/>
+              </a:solidFill>
+            </a:ln>
+          </p:spPr>
+          <p:style>
+            <a:lnRef idx="2">
+              <a:schemeClr val="accent1">
+                <a:shade val="50000"/>
+              </a:schemeClr>
+            </a:lnRef>
+            <a:fillRef idx="1">
+              <a:schemeClr val="accent1"/>
+            </a:fillRef>
+            <a:effectRef idx="0">
+              <a:schemeClr val="accent1"/>
+            </a:effectRef>
+            <a:fontRef idx="minor">
+              <a:schemeClr val="lt1"/>
+            </a:fontRef>
+          </p:style>
+          <p:txBody>
+            <a:bodyPr rtlCol="0" anchor="ctr"/>
+            <a:lstStyle/>
+            <a:p>
+              <a:pPr algn="ctr"/>
+              <a:endParaRPr lang="ko-KR" altLang="en-US"/>
+            </a:p>
+          </p:txBody>
+        </p:sp>
+        <p:cxnSp>
+          <p:nvCxnSpPr>
+            <p:cNvPr id="121" name="직선 연결선 120"/>
+            <p:cNvCxnSpPr>
+              <a:endCxn id="120" idx="5"/>
+            </p:cNvCxnSpPr>
+            <p:nvPr/>
+          </p:nvCxnSpPr>
+          <p:spPr>
+            <a:xfrm flipH="1" flipV="1">
+              <a:off x="5982459" y="2299354"/>
+              <a:ext cx="247653" cy="212198"/>
+            </a:xfrm>
+            <a:prstGeom prst="line">
+              <a:avLst/>
+            </a:prstGeom>
+            <a:ln w="38100">
+              <a:headEnd type="stealth" w="lg" len="lg"/>
+            </a:ln>
+          </p:spPr>
+          <p:style>
+            <a:lnRef idx="1">
+              <a:schemeClr val="accent1"/>
+            </a:lnRef>
+            <a:fillRef idx="0">
+              <a:schemeClr val="accent1"/>
+            </a:fillRef>
+            <a:effectRef idx="0">
+              <a:schemeClr val="accent1"/>
+            </a:effectRef>
+            <a:fontRef idx="minor">
+              <a:schemeClr val="tx1"/>
+            </a:fontRef>
+          </p:style>
+        </p:cxnSp>
+      </p:grpSp>
+      <p:sp>
+        <p:nvSpPr>
+          <p:cNvPr id="122" name="TextBox 121"/>
+          <p:cNvSpPr txBox="1"/>
+          <p:nvPr/>
+        </p:nvSpPr>
+        <p:spPr>
+          <a:xfrm rot="18901443">
+            <a:off x="3774857" y="2200624"/>
+            <a:ext cx="798617" cy="430887"/>
+          </a:xfrm>
+          <a:prstGeom prst="rect">
+            <a:avLst/>
+          </a:prstGeom>
+          <a:noFill/>
+        </p:spPr>
+        <p:txBody>
+          <a:bodyPr wrap="none" rtlCol="0">
+            <a:spAutoFit/>
+          </a:bodyPr>
+          <a:lstStyle/>
+          <a:p>
+            <a:pPr algn="ctr"/>
+            <a:r>
+              <a:rPr lang="ko-KR" altLang="en-US" sz="1100" dirty="0"/>
+              <a:t>권한 확인</a:t>
+            </a:r>
+            <a:endParaRPr lang="en-US" altLang="ko-KR" sz="1100" dirty="0"/>
+          </a:p>
+          <a:p>
+            <a:pPr algn="ctr"/>
+            <a:r>
+              <a:rPr lang="ko-KR" altLang="en-US" sz="1100" dirty="0"/>
+              <a:t>정보</a:t>
+            </a:r>
+            <a:endParaRPr lang="ko-KR" altLang="en-US" sz="1600" dirty="0"/>
+          </a:p>
+        </p:txBody>
+      </p:sp>
+      <p:grpSp>
+        <p:nvGrpSpPr>
+          <p:cNvPr id="123" name="그룹 122"/>
+          <p:cNvGrpSpPr/>
+          <p:nvPr/>
+        </p:nvGrpSpPr>
+        <p:grpSpPr>
+          <a:xfrm rot="21416685">
+            <a:off x="6626045" y="1398919"/>
+            <a:ext cx="465295" cy="429840"/>
+            <a:chOff x="5764817" y="2081712"/>
+            <a:chExt cx="465295" cy="429840"/>
+          </a:xfrm>
+        </p:grpSpPr>
+        <p:sp>
+          <p:nvSpPr>
+            <p:cNvPr id="124" name="타원 123"/>
+            <p:cNvSpPr/>
+            <p:nvPr/>
+          </p:nvSpPr>
+          <p:spPr>
+            <a:xfrm>
+              <a:off x="5764817" y="2081712"/>
+              <a:ext cx="254984" cy="254984"/>
+            </a:xfrm>
+            <a:prstGeom prst="ellipse">
+              <a:avLst/>
+            </a:prstGeom>
+            <a:solidFill>
+              <a:schemeClr val="accent1"/>
+            </a:solidFill>
+            <a:ln w="38100">
+              <a:solidFill>
+                <a:schemeClr val="accent1"/>
+              </a:solidFill>
+            </a:ln>
+          </p:spPr>
+          <p:style>
+            <a:lnRef idx="2">
+              <a:schemeClr val="accent1">
+                <a:shade val="50000"/>
+              </a:schemeClr>
+            </a:lnRef>
+            <a:fillRef idx="1">
+              <a:schemeClr val="accent1"/>
+            </a:fillRef>
+            <a:effectRef idx="0">
+              <a:schemeClr val="accent1"/>
+            </a:effectRef>
+            <a:fontRef idx="minor">
+              <a:schemeClr val="lt1"/>
+            </a:fontRef>
+          </p:style>
+          <p:txBody>
+            <a:bodyPr rtlCol="0" anchor="ctr"/>
+            <a:lstStyle/>
+            <a:p>
+              <a:pPr algn="ctr"/>
+              <a:endParaRPr lang="ko-KR" altLang="en-US"/>
+            </a:p>
+          </p:txBody>
+        </p:sp>
+        <p:cxnSp>
+          <p:nvCxnSpPr>
+            <p:cNvPr id="125" name="직선 연결선 124"/>
+            <p:cNvCxnSpPr>
+              <a:endCxn id="124" idx="5"/>
+            </p:cNvCxnSpPr>
+            <p:nvPr/>
+          </p:nvCxnSpPr>
+          <p:spPr>
+            <a:xfrm flipH="1" flipV="1">
+              <a:off x="5982459" y="2299354"/>
+              <a:ext cx="247653" cy="212198"/>
+            </a:xfrm>
+            <a:prstGeom prst="line">
+              <a:avLst/>
+            </a:prstGeom>
+            <a:ln w="38100">
+              <a:headEnd type="stealth" w="lg" len="lg"/>
+            </a:ln>
+          </p:spPr>
+          <p:style>
+            <a:lnRef idx="1">
+              <a:schemeClr val="accent1"/>
+            </a:lnRef>
+            <a:fillRef idx="0">
+              <a:schemeClr val="accent1"/>
+            </a:fillRef>
+            <a:effectRef idx="0">
+              <a:schemeClr val="accent1"/>
+            </a:effectRef>
+            <a:fontRef idx="minor">
+              <a:schemeClr val="tx1"/>
+            </a:fontRef>
+          </p:style>
+        </p:cxnSp>
+      </p:grpSp>
+      <p:sp>
+        <p:nvSpPr>
+          <p:cNvPr id="126" name="TextBox 125"/>
+          <p:cNvSpPr txBox="1"/>
+          <p:nvPr/>
+        </p:nvSpPr>
+        <p:spPr>
+          <a:xfrm rot="2373847">
+            <a:off x="6703156" y="1191881"/>
+            <a:ext cx="798617" cy="430887"/>
+          </a:xfrm>
+          <a:prstGeom prst="rect">
+            <a:avLst/>
+          </a:prstGeom>
+          <a:noFill/>
+        </p:spPr>
+        <p:txBody>
+          <a:bodyPr wrap="none" rtlCol="0">
+            <a:spAutoFit/>
+          </a:bodyPr>
+          <a:lstStyle/>
+          <a:p>
+            <a:pPr algn="ctr"/>
+            <a:r>
+              <a:rPr lang="ko-KR" altLang="en-US" sz="1100" dirty="0"/>
+              <a:t>권한 확인</a:t>
+            </a:r>
+            <a:endParaRPr lang="en-US" altLang="ko-KR" sz="1100" dirty="0"/>
+          </a:p>
+          <a:p>
+            <a:pPr algn="ctr"/>
+            <a:r>
+              <a:rPr lang="ko-KR" altLang="en-US" sz="1100" dirty="0"/>
+              <a:t>정보</a:t>
             </a:r>
             <a:endParaRPr lang="ko-KR" altLang="en-US" sz="1600" dirty="0"/>
           </a:p>

--- a/SDD 관련 자료/작업 결과물/대화 모형도/강의평가질문삭제.pptx
+++ b/SDD 관련 자료/작업 결과물/대화 모형도/강의평가질문삭제.pptx
@@ -3000,6 +3000,14 @@
               </a:rPr>
               <a:t>강의평가 질문 삭제</a:t>
             </a:r>
+            <a:r>
+              <a:rPr lang="en-US" altLang="ko-KR" sz="1100" dirty="0">
+                <a:solidFill>
+                  <a:sysClr val="windowText" lastClr="000000"/>
+                </a:solidFill>
+              </a:rPr>
+              <a:t/>
+            </a:r>
             <a:br>
               <a:rPr lang="en-US" altLang="ko-KR" sz="1100" dirty="0">
                 <a:solidFill>
@@ -3105,6 +3113,14 @@
                 </a:solidFill>
               </a:rPr>
               <a:t>강의평가 질문 </a:t>
+            </a:r>
+            <a:r>
+              <a:rPr lang="en-US" altLang="ko-KR" sz="1100" dirty="0">
+                <a:solidFill>
+                  <a:sysClr val="windowText" lastClr="000000"/>
+                </a:solidFill>
+              </a:rPr>
+              <a:t/>
             </a:r>
             <a:br>
               <a:rPr lang="en-US" altLang="ko-KR" sz="1100" dirty="0">
@@ -3864,6 +3880,14 @@
                 </a:rPr>
                 <a:t>강의 평가 질문</a:t>
               </a:r>
+              <a:r>
+                <a:rPr lang="en-US" altLang="ko-KR" sz="1100" dirty="0">
+                  <a:solidFill>
+                    <a:schemeClr val="tx1"/>
+                  </a:solidFill>
+                </a:rPr>
+                <a:t/>
+              </a:r>
               <a:br>
                 <a:rPr lang="en-US" altLang="ko-KR" sz="1100" dirty="0">
                   <a:solidFill>
@@ -5123,7 +5147,15 @@
                   <a:schemeClr val="tx1"/>
                 </a:solidFill>
               </a:rPr>
-              <a:t>강의 평가 질문 수정</a:t>
+              <a:t>강의 평가 질문 </a:t>
+            </a:r>
+            <a:r>
+              <a:rPr lang="ko-KR" altLang="en-US" sz="1100" dirty="0" smtClean="0">
+                <a:solidFill>
+                  <a:schemeClr val="tx1"/>
+                </a:solidFill>
+              </a:rPr>
+              <a:t>삭제</a:t>
             </a:r>
             <a:endParaRPr lang="en-US" altLang="ko-KR" sz="1100" dirty="0">
               <a:solidFill>

--- a/SDD 관련 자료/작업 결과물/대화 모형도/강의평가질문삭제.pptx
+++ b/SDD 관련 자료/작업 결과물/대화 모형도/강의평가질문삭제.pptx
@@ -4517,8 +4517,29 @@
                   <a:sysClr val="windowText" lastClr="000000"/>
                 </a:solidFill>
               </a:rPr>
-              <a:t>강의평가 질문 수정</a:t>
-            </a:r>
+              <a:t>강의평가 </a:t>
+            </a:r>
+            <a:r>
+              <a:rPr lang="ko-KR" altLang="en-US" sz="1100">
+                <a:solidFill>
+                  <a:sysClr val="windowText" lastClr="000000"/>
+                </a:solidFill>
+              </a:rPr>
+              <a:t>질문 </a:t>
+            </a:r>
+            <a:r>
+              <a:rPr lang="ko-KR" altLang="en-US" sz="1100" smtClean="0">
+                <a:solidFill>
+                  <a:sysClr val="windowText" lastClr="000000"/>
+                </a:solidFill>
+              </a:rPr>
+              <a:t>삭제</a:t>
+            </a:r>
+            <a:endParaRPr lang="ko-KR" altLang="en-US" sz="1100" dirty="0">
+              <a:solidFill>
+                <a:sysClr val="windowText" lastClr="000000"/>
+              </a:solidFill>
+            </a:endParaRPr>
           </a:p>
         </p:txBody>
       </p:sp>

--- a/SDD 관련 자료/작업 결과물/대화 모형도/강의평가질문삭제.pptx
+++ b/SDD 관련 자료/작업 결과물/대화 모형도/강의평가질문삭제.pptx
@@ -3000,14 +3000,6 @@
               </a:rPr>
               <a:t>강의평가 질문 삭제</a:t>
             </a:r>
-            <a:r>
-              <a:rPr lang="en-US" altLang="ko-KR" sz="1100" dirty="0">
-                <a:solidFill>
-                  <a:sysClr val="windowText" lastClr="000000"/>
-                </a:solidFill>
-              </a:rPr>
-              <a:t/>
-            </a:r>
             <a:br>
               <a:rPr lang="en-US" altLang="ko-KR" sz="1100" dirty="0">
                 <a:solidFill>
@@ -3070,7 +3062,7 @@
         </p:nvSpPr>
         <p:spPr>
           <a:xfrm>
-            <a:off x="8683634" y="7357234"/>
+            <a:off x="6768424" y="7267601"/>
             <a:ext cx="1556992" cy="726131"/>
           </a:xfrm>
           <a:prstGeom prst="rect">
@@ -3114,14 +3106,6 @@
               </a:rPr>
               <a:t>강의평가 질문 </a:t>
             </a:r>
-            <a:r>
-              <a:rPr lang="en-US" altLang="ko-KR" sz="1100" dirty="0">
-                <a:solidFill>
-                  <a:sysClr val="windowText" lastClr="000000"/>
-                </a:solidFill>
-              </a:rPr>
-              <a:t/>
-            </a:r>
             <a:br>
               <a:rPr lang="en-US" altLang="ko-KR" sz="1100" dirty="0">
                 <a:solidFill>
@@ -3198,13 +3182,15 @@
       <p:cxnSp>
         <p:nvCxnSpPr>
           <p:cNvPr id="10" name="직선 화살표 연결선 9"/>
-          <p:cNvCxnSpPr/>
+          <p:cNvCxnSpPr>
+            <a:endCxn id="69" idx="0"/>
+          </p:cNvCxnSpPr>
           <p:nvPr/>
         </p:nvCxnSpPr>
         <p:spPr>
           <a:xfrm flipH="1">
-            <a:off x="6315441" y="3344891"/>
-            <a:ext cx="1617940" cy="4012343"/>
+            <a:off x="5028464" y="3352834"/>
+            <a:ext cx="2881229" cy="3953500"/>
           </a:xfrm>
           <a:prstGeom prst="straightConnector1">
             <a:avLst/>
@@ -3524,8 +3510,8 @@
           <p:nvPr/>
         </p:nvGrpSpPr>
         <p:grpSpPr>
-          <a:xfrm rot="1952499">
-            <a:off x="8155848" y="4175840"/>
+          <a:xfrm rot="4096679">
+            <a:off x="7478824" y="4480051"/>
             <a:ext cx="465295" cy="429840"/>
             <a:chOff x="5764817" y="2081712"/>
             <a:chExt cx="465295" cy="429840"/>
@@ -3620,8 +3606,8 @@
           <p:nvPr/>
         </p:nvSpPr>
         <p:spPr>
-          <a:xfrm rot="15427772">
-            <a:off x="7422428" y="4256752"/>
+          <a:xfrm rot="17683683">
+            <a:off x="6795095" y="4309329"/>
             <a:ext cx="1221809" cy="430887"/>
           </a:xfrm>
           <a:prstGeom prst="rect">
@@ -3652,273 +3638,19 @@
           </a:p>
         </p:txBody>
       </p:sp>
-      <p:grpSp>
-        <p:nvGrpSpPr>
-          <p:cNvPr id="31" name="그룹 30"/>
-          <p:cNvGrpSpPr/>
-          <p:nvPr/>
-        </p:nvGrpSpPr>
-        <p:grpSpPr>
-          <a:xfrm>
-            <a:off x="5484307" y="7382602"/>
-            <a:ext cx="1561933" cy="676405"/>
-            <a:chOff x="8118153" y="2442575"/>
-            <a:chExt cx="1561933" cy="676405"/>
-          </a:xfrm>
-        </p:grpSpPr>
-        <p:cxnSp>
-          <p:nvCxnSpPr>
-            <p:cNvPr id="32" name="직선 연결선 31"/>
-            <p:cNvCxnSpPr/>
-            <p:nvPr/>
-          </p:nvCxnSpPr>
-          <p:spPr>
-            <a:xfrm>
-              <a:off x="8118153" y="2442575"/>
-              <a:ext cx="1560286" cy="0"/>
-            </a:xfrm>
-            <a:prstGeom prst="line">
-              <a:avLst/>
-            </a:prstGeom>
-            <a:ln w="38100">
-              <a:solidFill>
-                <a:srgbClr val="41719C"/>
-              </a:solidFill>
-            </a:ln>
-          </p:spPr>
-          <p:style>
-            <a:lnRef idx="1">
-              <a:schemeClr val="accent1"/>
-            </a:lnRef>
-            <a:fillRef idx="0">
-              <a:schemeClr val="accent1"/>
-            </a:fillRef>
-            <a:effectRef idx="0">
-              <a:schemeClr val="accent1"/>
-            </a:effectRef>
-            <a:fontRef idx="minor">
-              <a:schemeClr val="tx1"/>
-            </a:fontRef>
-          </p:style>
-        </p:cxnSp>
-        <p:cxnSp>
-          <p:nvCxnSpPr>
-            <p:cNvPr id="33" name="직선 연결선 32"/>
-            <p:cNvCxnSpPr/>
-            <p:nvPr/>
-          </p:nvCxnSpPr>
-          <p:spPr>
-            <a:xfrm>
-              <a:off x="8119800" y="3118980"/>
-              <a:ext cx="1560286" cy="0"/>
-            </a:xfrm>
-            <a:prstGeom prst="line">
-              <a:avLst/>
-            </a:prstGeom>
-            <a:ln w="38100">
-              <a:solidFill>
-                <a:srgbClr val="41719C"/>
-              </a:solidFill>
-            </a:ln>
-          </p:spPr>
-          <p:style>
-            <a:lnRef idx="1">
-              <a:schemeClr val="accent1"/>
-            </a:lnRef>
-            <a:fillRef idx="0">
-              <a:schemeClr val="accent1"/>
-            </a:fillRef>
-            <a:effectRef idx="0">
-              <a:schemeClr val="accent1"/>
-            </a:effectRef>
-            <a:fontRef idx="minor">
-              <a:schemeClr val="tx1"/>
-            </a:fontRef>
-          </p:style>
-        </p:cxnSp>
-        <p:sp>
-          <p:nvSpPr>
-            <p:cNvPr id="34" name="직사각형 33"/>
-            <p:cNvSpPr/>
-            <p:nvPr/>
-          </p:nvSpPr>
-          <p:spPr>
-            <a:xfrm>
-              <a:off x="8217074" y="2530257"/>
-              <a:ext cx="1377863" cy="502203"/>
-            </a:xfrm>
-            <a:prstGeom prst="rect">
-              <a:avLst/>
-            </a:prstGeom>
-            <a:solidFill>
-              <a:schemeClr val="bg1"/>
-            </a:solidFill>
-            <a:ln>
-              <a:noFill/>
-            </a:ln>
-          </p:spPr>
-          <p:style>
-            <a:lnRef idx="2">
-              <a:schemeClr val="accent1">
-                <a:shade val="50000"/>
-              </a:schemeClr>
-            </a:lnRef>
-            <a:fillRef idx="1">
-              <a:schemeClr val="accent1"/>
-            </a:fillRef>
-            <a:effectRef idx="0">
-              <a:schemeClr val="accent1"/>
-            </a:effectRef>
-            <a:fontRef idx="minor">
-              <a:schemeClr val="lt1"/>
-            </a:fontRef>
-          </p:style>
-          <p:txBody>
-            <a:bodyPr rtlCol="0" anchor="ctr"/>
-            <a:lstStyle>
-              <a:defPPr>
-                <a:defRPr lang="ko-KR"/>
-              </a:defPPr>
-              <a:lvl1pPr marL="0" algn="l" defTabSz="914400" rtl="0" eaLnBrk="1" latinLnBrk="1" hangingPunct="1">
-                <a:defRPr sz="1800" kern="1200">
-                  <a:solidFill>
-                    <a:schemeClr val="lt1"/>
-                  </a:solidFill>
-                  <a:latin typeface="+mn-lt"/>
-                  <a:ea typeface="+mn-ea"/>
-                  <a:cs typeface="+mn-cs"/>
-                </a:defRPr>
-              </a:lvl1pPr>
-              <a:lvl2pPr marL="457200" algn="l" defTabSz="914400" rtl="0" eaLnBrk="1" latinLnBrk="1" hangingPunct="1">
-                <a:defRPr sz="1800" kern="1200">
-                  <a:solidFill>
-                    <a:schemeClr val="lt1"/>
-                  </a:solidFill>
-                  <a:latin typeface="+mn-lt"/>
-                  <a:ea typeface="+mn-ea"/>
-                  <a:cs typeface="+mn-cs"/>
-                </a:defRPr>
-              </a:lvl2pPr>
-              <a:lvl3pPr marL="914400" algn="l" defTabSz="914400" rtl="0" eaLnBrk="1" latinLnBrk="1" hangingPunct="1">
-                <a:defRPr sz="1800" kern="1200">
-                  <a:solidFill>
-                    <a:schemeClr val="lt1"/>
-                  </a:solidFill>
-                  <a:latin typeface="+mn-lt"/>
-                  <a:ea typeface="+mn-ea"/>
-                  <a:cs typeface="+mn-cs"/>
-                </a:defRPr>
-              </a:lvl3pPr>
-              <a:lvl4pPr marL="1371600" algn="l" defTabSz="914400" rtl="0" eaLnBrk="1" latinLnBrk="1" hangingPunct="1">
-                <a:defRPr sz="1800" kern="1200">
-                  <a:solidFill>
-                    <a:schemeClr val="lt1"/>
-                  </a:solidFill>
-                  <a:latin typeface="+mn-lt"/>
-                  <a:ea typeface="+mn-ea"/>
-                  <a:cs typeface="+mn-cs"/>
-                </a:defRPr>
-              </a:lvl4pPr>
-              <a:lvl5pPr marL="1828800" algn="l" defTabSz="914400" rtl="0" eaLnBrk="1" latinLnBrk="1" hangingPunct="1">
-                <a:defRPr sz="1800" kern="1200">
-                  <a:solidFill>
-                    <a:schemeClr val="lt1"/>
-                  </a:solidFill>
-                  <a:latin typeface="+mn-lt"/>
-                  <a:ea typeface="+mn-ea"/>
-                  <a:cs typeface="+mn-cs"/>
-                </a:defRPr>
-              </a:lvl5pPr>
-              <a:lvl6pPr marL="2286000" algn="l" defTabSz="914400" rtl="0" eaLnBrk="1" latinLnBrk="1" hangingPunct="1">
-                <a:defRPr sz="1800" kern="1200">
-                  <a:solidFill>
-                    <a:schemeClr val="lt1"/>
-                  </a:solidFill>
-                  <a:latin typeface="+mn-lt"/>
-                  <a:ea typeface="+mn-ea"/>
-                  <a:cs typeface="+mn-cs"/>
-                </a:defRPr>
-              </a:lvl6pPr>
-              <a:lvl7pPr marL="2743200" algn="l" defTabSz="914400" rtl="0" eaLnBrk="1" latinLnBrk="1" hangingPunct="1">
-                <a:defRPr sz="1800" kern="1200">
-                  <a:solidFill>
-                    <a:schemeClr val="lt1"/>
-                  </a:solidFill>
-                  <a:latin typeface="+mn-lt"/>
-                  <a:ea typeface="+mn-ea"/>
-                  <a:cs typeface="+mn-cs"/>
-                </a:defRPr>
-              </a:lvl7pPr>
-              <a:lvl8pPr marL="3200400" algn="l" defTabSz="914400" rtl="0" eaLnBrk="1" latinLnBrk="1" hangingPunct="1">
-                <a:defRPr sz="1800" kern="1200">
-                  <a:solidFill>
-                    <a:schemeClr val="lt1"/>
-                  </a:solidFill>
-                  <a:latin typeface="+mn-lt"/>
-                  <a:ea typeface="+mn-ea"/>
-                  <a:cs typeface="+mn-cs"/>
-                </a:defRPr>
-              </a:lvl8pPr>
-              <a:lvl9pPr marL="3657600" algn="l" defTabSz="914400" rtl="0" eaLnBrk="1" latinLnBrk="1" hangingPunct="1">
-                <a:defRPr sz="1800" kern="1200">
-                  <a:solidFill>
-                    <a:schemeClr val="lt1"/>
-                  </a:solidFill>
-                  <a:latin typeface="+mn-lt"/>
-                  <a:ea typeface="+mn-ea"/>
-                  <a:cs typeface="+mn-cs"/>
-                </a:defRPr>
-              </a:lvl9pPr>
-            </a:lstStyle>
-            <a:p>
-              <a:pPr algn="ctr"/>
-              <a:r>
-                <a:rPr lang="ko-KR" altLang="en-US" sz="1100" dirty="0">
-                  <a:solidFill>
-                    <a:schemeClr val="tx1"/>
-                  </a:solidFill>
-                </a:rPr>
-                <a:t>강의 평가 질문</a:t>
-              </a:r>
-              <a:r>
-                <a:rPr lang="en-US" altLang="ko-KR" sz="1100" dirty="0">
-                  <a:solidFill>
-                    <a:schemeClr val="tx1"/>
-                  </a:solidFill>
-                </a:rPr>
-                <a:t/>
-              </a:r>
-              <a:br>
-                <a:rPr lang="en-US" altLang="ko-KR" sz="1100" dirty="0">
-                  <a:solidFill>
-                    <a:schemeClr val="tx1"/>
-                  </a:solidFill>
-                </a:rPr>
-              </a:br>
-              <a:r>
-                <a:rPr lang="ko-KR" altLang="en-US" sz="1100" dirty="0">
-                  <a:solidFill>
-                    <a:schemeClr val="tx1"/>
-                  </a:solidFill>
-                </a:rPr>
-                <a:t>저장소</a:t>
-              </a:r>
-            </a:p>
-          </p:txBody>
-        </p:sp>
-      </p:grpSp>
       <p:cxnSp>
         <p:nvCxnSpPr>
           <p:cNvPr id="45" name="직선 화살표 연결선 44"/>
           <p:cNvCxnSpPr>
+            <a:stCxn id="117" idx="2"/>
             <a:endCxn id="8" idx="0"/>
           </p:cNvCxnSpPr>
           <p:nvPr/>
         </p:nvCxnSpPr>
         <p:spPr>
-          <a:xfrm>
-            <a:off x="8373985" y="3347857"/>
-            <a:ext cx="1088145" cy="4009377"/>
+          <a:xfrm flipH="1">
+            <a:off x="7546920" y="3365493"/>
+            <a:ext cx="587445" cy="3902108"/>
           </a:xfrm>
           <a:prstGeom prst="straightConnector1">
             <a:avLst/>
@@ -3950,8 +3682,8 @@
           <p:nvPr/>
         </p:nvGrpSpPr>
         <p:grpSpPr>
-          <a:xfrm rot="15386436">
-            <a:off x="6607010" y="5252982"/>
+          <a:xfrm rot="15907832">
+            <a:off x="6096236" y="4953398"/>
             <a:ext cx="465295" cy="429840"/>
             <a:chOff x="5764817" y="2081712"/>
             <a:chExt cx="465295" cy="429840"/>
@@ -4046,8 +3778,8 @@
           <p:nvPr/>
         </p:nvSpPr>
         <p:spPr>
-          <a:xfrm rot="17772725">
-            <a:off x="5536887" y="5189163"/>
+          <a:xfrm rot="18636243">
+            <a:off x="5089922" y="4889119"/>
             <a:ext cx="2065042" cy="261610"/>
           </a:xfrm>
           <a:prstGeom prst="rect">
@@ -4076,8 +3808,8 @@
           <p:nvPr/>
         </p:nvGrpSpPr>
         <p:grpSpPr>
-          <a:xfrm rot="1952499">
-            <a:off x="8537583" y="5782844"/>
+          <a:xfrm rot="3861689">
+            <a:off x="7208715" y="5975840"/>
             <a:ext cx="465295" cy="429840"/>
             <a:chOff x="5764817" y="2081712"/>
             <a:chExt cx="465295" cy="429840"/>
@@ -4172,8 +3904,8 @@
           <p:nvPr/>
         </p:nvSpPr>
         <p:spPr>
-          <a:xfrm rot="15264010">
-            <a:off x="7498020" y="5980689"/>
+          <a:xfrm rot="16966098">
+            <a:off x="6094033" y="5734627"/>
             <a:ext cx="1885453" cy="261610"/>
           </a:xfrm>
           <a:prstGeom prst="rect">
@@ -4202,8 +3934,8 @@
           <p:nvPr/>
         </p:nvGrpSpPr>
         <p:grpSpPr>
-          <a:xfrm rot="12890091">
-            <a:off x="9359567" y="6191139"/>
+          <a:xfrm rot="14100084">
+            <a:off x="7787643" y="5856816"/>
             <a:ext cx="465295" cy="429840"/>
             <a:chOff x="5764817" y="2081712"/>
             <a:chExt cx="465295" cy="429840"/>
@@ -4300,8 +4032,8 @@
           <p:nvPr/>
         </p:nvSpPr>
         <p:spPr>
-          <a:xfrm rot="4467908">
-            <a:off x="9266385" y="6126235"/>
+          <a:xfrm rot="5735757">
+            <a:off x="7677870" y="5903547"/>
             <a:ext cx="1462260" cy="430887"/>
           </a:xfrm>
           <a:prstGeom prst="rect">
@@ -4327,141 +4059,6 @@
             <a:r>
               <a:rPr lang="ko-KR" altLang="en-US" sz="1100" dirty="0"/>
               <a:t> 성공 여부</a:t>
-            </a:r>
-            <a:endParaRPr lang="ko-KR" altLang="en-US" sz="1600" dirty="0"/>
-          </a:p>
-        </p:txBody>
-      </p:sp>
-      <p:grpSp>
-        <p:nvGrpSpPr>
-          <p:cNvPr id="38" name="그룹 37"/>
-          <p:cNvGrpSpPr/>
-          <p:nvPr/>
-        </p:nvGrpSpPr>
-        <p:grpSpPr>
-          <a:xfrm rot="4479793">
-            <a:off x="7084138" y="5417349"/>
-            <a:ext cx="465295" cy="429840"/>
-            <a:chOff x="5764817" y="2081712"/>
-            <a:chExt cx="465295" cy="429840"/>
-          </a:xfrm>
-        </p:grpSpPr>
-        <p:sp>
-          <p:nvSpPr>
-            <p:cNvPr id="43" name="타원 42"/>
-            <p:cNvSpPr/>
-            <p:nvPr/>
-          </p:nvSpPr>
-          <p:spPr>
-            <a:xfrm>
-              <a:off x="5764817" y="2081712"/>
-              <a:ext cx="254984" cy="254984"/>
-            </a:xfrm>
-            <a:prstGeom prst="ellipse">
-              <a:avLst/>
-            </a:prstGeom>
-            <a:noFill/>
-            <a:ln w="38100">
-              <a:solidFill>
-                <a:schemeClr val="accent1"/>
-              </a:solidFill>
-            </a:ln>
-          </p:spPr>
-          <p:style>
-            <a:lnRef idx="2">
-              <a:schemeClr val="accent1">
-                <a:shade val="50000"/>
-              </a:schemeClr>
-            </a:lnRef>
-            <a:fillRef idx="1">
-              <a:schemeClr val="accent1"/>
-            </a:fillRef>
-            <a:effectRef idx="0">
-              <a:schemeClr val="accent1"/>
-            </a:effectRef>
-            <a:fontRef idx="minor">
-              <a:schemeClr val="lt1"/>
-            </a:fontRef>
-          </p:style>
-          <p:txBody>
-            <a:bodyPr rtlCol="0" anchor="ctr"/>
-            <a:lstStyle/>
-            <a:p>
-              <a:pPr algn="ctr"/>
-              <a:endParaRPr lang="ko-KR" altLang="en-US"/>
-            </a:p>
-          </p:txBody>
-        </p:sp>
-        <p:cxnSp>
-          <p:nvCxnSpPr>
-            <p:cNvPr id="44" name="직선 연결선 43"/>
-            <p:cNvCxnSpPr>
-              <a:endCxn id="43" idx="5"/>
-            </p:cNvCxnSpPr>
-            <p:nvPr/>
-          </p:nvCxnSpPr>
-          <p:spPr>
-            <a:xfrm flipH="1" flipV="1">
-              <a:off x="5982459" y="2299354"/>
-              <a:ext cx="247653" cy="212198"/>
-            </a:xfrm>
-            <a:prstGeom prst="line">
-              <a:avLst/>
-            </a:prstGeom>
-            <a:ln w="38100">
-              <a:headEnd type="stealth" w="lg" len="lg"/>
-            </a:ln>
-          </p:spPr>
-          <p:style>
-            <a:lnRef idx="1">
-              <a:schemeClr val="accent1"/>
-            </a:lnRef>
-            <a:fillRef idx="0">
-              <a:schemeClr val="accent1"/>
-            </a:fillRef>
-            <a:effectRef idx="0">
-              <a:schemeClr val="accent1"/>
-            </a:effectRef>
-            <a:fontRef idx="minor">
-              <a:schemeClr val="tx1"/>
-            </a:fontRef>
-          </p:style>
-        </p:cxnSp>
-      </p:grpSp>
-      <p:sp>
-        <p:nvSpPr>
-          <p:cNvPr id="46" name="TextBox 45"/>
-          <p:cNvSpPr txBox="1"/>
-          <p:nvPr/>
-        </p:nvSpPr>
-        <p:spPr>
-          <a:xfrm rot="17865144">
-            <a:off x="7054124" y="5567550"/>
-            <a:ext cx="1221809" cy="430887"/>
-          </a:xfrm>
-          <a:prstGeom prst="rect">
-            <a:avLst/>
-          </a:prstGeom>
-          <a:noFill/>
-        </p:spPr>
-        <p:txBody>
-          <a:bodyPr wrap="none" rtlCol="0">
-            <a:spAutoFit/>
-          </a:bodyPr>
-          <a:lstStyle/>
-          <a:p>
-            <a:pPr algn="ctr"/>
-            <a:r>
-              <a:rPr lang="ko-KR" altLang="en-US" sz="1100" dirty="0"/>
-              <a:t>삭제된 강의평가</a:t>
-            </a:r>
-            <a:endParaRPr lang="en-US" altLang="ko-KR" sz="1100" dirty="0"/>
-          </a:p>
-          <a:p>
-            <a:pPr algn="ctr"/>
-            <a:r>
-              <a:rPr lang="ko-KR" altLang="en-US" sz="1100" dirty="0"/>
-              <a:t>질문 정보</a:t>
             </a:r>
             <a:endParaRPr lang="ko-KR" altLang="en-US" sz="1600" dirty="0"/>
           </a:p>
@@ -4517,29 +4114,24 @@
                   <a:sysClr val="windowText" lastClr="000000"/>
                 </a:solidFill>
               </a:rPr>
-              <a:t>강의평가 </a:t>
-            </a:r>
-            <a:r>
-              <a:rPr lang="ko-KR" altLang="en-US" sz="1100">
+              <a:t>강의평가 질문 </a:t>
+            </a:r>
+            <a:endParaRPr lang="en-US" altLang="ko-KR" sz="1100" dirty="0">
+              <a:solidFill>
+                <a:sysClr val="windowText" lastClr="000000"/>
+              </a:solidFill>
+            </a:endParaRPr>
+          </a:p>
+          <a:p>
+            <a:pPr algn="ctr"/>
+            <a:r>
+              <a:rPr lang="ko-KR" altLang="en-US" sz="1100" dirty="0">
                 <a:solidFill>
                   <a:sysClr val="windowText" lastClr="000000"/>
                 </a:solidFill>
               </a:rPr>
-              <a:t>질문 </a:t>
-            </a:r>
-            <a:r>
-              <a:rPr lang="ko-KR" altLang="en-US" sz="1100" smtClean="0">
-                <a:solidFill>
-                  <a:sysClr val="windowText" lastClr="000000"/>
-                </a:solidFill>
-              </a:rPr>
-              <a:t>삭제</a:t>
-            </a:r>
-            <a:endParaRPr lang="ko-KR" altLang="en-US" sz="1100" dirty="0">
-              <a:solidFill>
-                <a:sysClr val="windowText" lastClr="000000"/>
-              </a:solidFill>
-            </a:endParaRPr>
+              <a:t>삭제 화면</a:t>
+            </a:r>
           </a:p>
         </p:txBody>
       </p:sp>
@@ -5168,15 +4760,7 @@
                   <a:schemeClr val="tx1"/>
                 </a:solidFill>
               </a:rPr>
-              <a:t>강의 평가 질문 </a:t>
-            </a:r>
-            <a:r>
-              <a:rPr lang="ko-KR" altLang="en-US" sz="1100" dirty="0" smtClean="0">
-                <a:solidFill>
-                  <a:schemeClr val="tx1"/>
-                </a:solidFill>
-              </a:rPr>
-              <a:t>삭제</a:t>
+              <a:t>강의 평가 질문 삭제</a:t>
             </a:r>
             <a:endParaRPr lang="en-US" altLang="ko-KR" sz="1100" dirty="0">
               <a:solidFill>
@@ -5497,6 +5081,317 @@
           </a:p>
         </p:txBody>
       </p:sp>
+      <p:sp>
+        <p:nvSpPr>
+          <p:cNvPr id="69" name="직사각형 68"/>
+          <p:cNvSpPr/>
+          <p:nvPr/>
+        </p:nvSpPr>
+        <p:spPr>
+          <a:xfrm>
+            <a:off x="4249968" y="7306334"/>
+            <a:ext cx="1556992" cy="726131"/>
+          </a:xfrm>
+          <a:prstGeom prst="rect">
+            <a:avLst/>
+          </a:prstGeom>
+          <a:noFill/>
+          <a:ln w="31750">
+            <a:solidFill>
+              <a:schemeClr val="accent1">
+                <a:shade val="50000"/>
+              </a:schemeClr>
+            </a:solidFill>
+          </a:ln>
+        </p:spPr>
+        <p:style>
+          <a:lnRef idx="2">
+            <a:schemeClr val="accent1">
+              <a:shade val="50000"/>
+            </a:schemeClr>
+          </a:lnRef>
+          <a:fillRef idx="1">
+            <a:schemeClr val="accent1"/>
+          </a:fillRef>
+          <a:effectRef idx="0">
+            <a:schemeClr val="accent1"/>
+          </a:effectRef>
+          <a:fontRef idx="minor">
+            <a:schemeClr val="lt1"/>
+          </a:fontRef>
+        </p:style>
+        <p:txBody>
+          <a:bodyPr rtlCol="0" anchor="ctr"/>
+          <a:lstStyle/>
+          <a:p>
+            <a:pPr algn="ctr"/>
+            <a:r>
+              <a:rPr lang="ko-KR" altLang="en-US" sz="1100" dirty="0">
+                <a:solidFill>
+                  <a:sysClr val="windowText" lastClr="000000"/>
+                </a:solidFill>
+              </a:rPr>
+              <a:t>강의 평가 질문 정보</a:t>
+            </a:r>
+            <a:endParaRPr lang="en-US" altLang="ko-KR" sz="1100" dirty="0">
+              <a:solidFill>
+                <a:sysClr val="windowText" lastClr="000000"/>
+              </a:solidFill>
+            </a:endParaRPr>
+          </a:p>
+          <a:p>
+            <a:pPr algn="ctr"/>
+            <a:r>
+              <a:rPr lang="ko-KR" altLang="en-US" sz="1100" dirty="0">
+                <a:solidFill>
+                  <a:sysClr val="windowText" lastClr="000000"/>
+                </a:solidFill>
+              </a:rPr>
+              <a:t>읽음</a:t>
+            </a:r>
+          </a:p>
+        </p:txBody>
+      </p:sp>
+      <p:sp>
+        <p:nvSpPr>
+          <p:cNvPr id="70" name="직사각형 69"/>
+          <p:cNvSpPr/>
+          <p:nvPr/>
+        </p:nvSpPr>
+        <p:spPr>
+          <a:xfrm>
+            <a:off x="9415155" y="7218921"/>
+            <a:ext cx="1556992" cy="726131"/>
+          </a:xfrm>
+          <a:prstGeom prst="rect">
+            <a:avLst/>
+          </a:prstGeom>
+          <a:noFill/>
+          <a:ln w="31750">
+            <a:solidFill>
+              <a:schemeClr val="accent1">
+                <a:shade val="50000"/>
+              </a:schemeClr>
+            </a:solidFill>
+          </a:ln>
+        </p:spPr>
+        <p:style>
+          <a:lnRef idx="2">
+            <a:schemeClr val="accent1">
+              <a:shade val="50000"/>
+            </a:schemeClr>
+          </a:lnRef>
+          <a:fillRef idx="1">
+            <a:schemeClr val="accent1"/>
+          </a:fillRef>
+          <a:effectRef idx="0">
+            <a:schemeClr val="accent1"/>
+          </a:effectRef>
+          <a:fontRef idx="minor">
+            <a:schemeClr val="lt1"/>
+          </a:fontRef>
+        </p:style>
+        <p:txBody>
+          <a:bodyPr rtlCol="0" anchor="ctr"/>
+          <a:lstStyle/>
+          <a:p>
+            <a:pPr algn="ctr"/>
+            <a:r>
+              <a:rPr lang="ko-KR" altLang="en-US" sz="1100" dirty="0">
+                <a:solidFill>
+                  <a:sysClr val="windowText" lastClr="000000"/>
+                </a:solidFill>
+              </a:rPr>
+              <a:t>강의 평가 질문 정보</a:t>
+            </a:r>
+            <a:endParaRPr lang="en-US" altLang="ko-KR" sz="1100" dirty="0">
+              <a:solidFill>
+                <a:sysClr val="windowText" lastClr="000000"/>
+              </a:solidFill>
+            </a:endParaRPr>
+          </a:p>
+          <a:p>
+            <a:pPr algn="ctr"/>
+            <a:r>
+              <a:rPr lang="ko-KR" altLang="en-US" sz="1100" dirty="0">
+                <a:solidFill>
+                  <a:sysClr val="windowText" lastClr="000000"/>
+                </a:solidFill>
+              </a:rPr>
+              <a:t>저장</a:t>
+            </a:r>
+          </a:p>
+        </p:txBody>
+      </p:sp>
+      <p:grpSp>
+        <p:nvGrpSpPr>
+          <p:cNvPr id="78" name="그룹 77"/>
+          <p:cNvGrpSpPr/>
+          <p:nvPr/>
+        </p:nvGrpSpPr>
+        <p:grpSpPr>
+          <a:xfrm rot="1205072">
+            <a:off x="9236004" y="5209483"/>
+            <a:ext cx="465295" cy="429840"/>
+            <a:chOff x="5764817" y="2081712"/>
+            <a:chExt cx="465295" cy="429840"/>
+          </a:xfrm>
+        </p:grpSpPr>
+        <p:sp>
+          <p:nvSpPr>
+            <p:cNvPr id="79" name="타원 78"/>
+            <p:cNvSpPr/>
+            <p:nvPr/>
+          </p:nvSpPr>
+          <p:spPr>
+            <a:xfrm>
+              <a:off x="5764817" y="2081712"/>
+              <a:ext cx="254984" cy="254984"/>
+            </a:xfrm>
+            <a:prstGeom prst="ellipse">
+              <a:avLst/>
+            </a:prstGeom>
+            <a:noFill/>
+            <a:ln w="38100">
+              <a:solidFill>
+                <a:schemeClr val="accent1"/>
+              </a:solidFill>
+            </a:ln>
+          </p:spPr>
+          <p:style>
+            <a:lnRef idx="2">
+              <a:schemeClr val="accent1">
+                <a:shade val="50000"/>
+              </a:schemeClr>
+            </a:lnRef>
+            <a:fillRef idx="1">
+              <a:schemeClr val="accent1"/>
+            </a:fillRef>
+            <a:effectRef idx="0">
+              <a:schemeClr val="accent1"/>
+            </a:effectRef>
+            <a:fontRef idx="minor">
+              <a:schemeClr val="lt1"/>
+            </a:fontRef>
+          </p:style>
+          <p:txBody>
+            <a:bodyPr rtlCol="0" anchor="ctr"/>
+            <a:lstStyle/>
+            <a:p>
+              <a:pPr algn="ctr"/>
+              <a:endParaRPr lang="ko-KR" altLang="en-US"/>
+            </a:p>
+          </p:txBody>
+        </p:sp>
+        <p:cxnSp>
+          <p:nvCxnSpPr>
+            <p:cNvPr id="80" name="직선 연결선 79"/>
+            <p:cNvCxnSpPr>
+              <a:endCxn id="79" idx="5"/>
+            </p:cNvCxnSpPr>
+            <p:nvPr/>
+          </p:nvCxnSpPr>
+          <p:spPr>
+            <a:xfrm flipH="1" flipV="1">
+              <a:off x="5982459" y="2299354"/>
+              <a:ext cx="247653" cy="212198"/>
+            </a:xfrm>
+            <a:prstGeom prst="line">
+              <a:avLst/>
+            </a:prstGeom>
+            <a:ln w="38100">
+              <a:headEnd type="stealth" w="lg" len="lg"/>
+            </a:ln>
+          </p:spPr>
+          <p:style>
+            <a:lnRef idx="1">
+              <a:schemeClr val="accent1"/>
+            </a:lnRef>
+            <a:fillRef idx="0">
+              <a:schemeClr val="accent1"/>
+            </a:fillRef>
+            <a:effectRef idx="0">
+              <a:schemeClr val="accent1"/>
+            </a:effectRef>
+            <a:fontRef idx="minor">
+              <a:schemeClr val="tx1"/>
+            </a:fontRef>
+          </p:style>
+        </p:cxnSp>
+      </p:grpSp>
+      <p:sp>
+        <p:nvSpPr>
+          <p:cNvPr id="81" name="TextBox 80"/>
+          <p:cNvSpPr txBox="1"/>
+          <p:nvPr/>
+        </p:nvSpPr>
+        <p:spPr>
+          <a:xfrm rot="3560223">
+            <a:off x="9175620" y="4984369"/>
+            <a:ext cx="1221809" cy="430887"/>
+          </a:xfrm>
+          <a:prstGeom prst="rect">
+            <a:avLst/>
+          </a:prstGeom>
+          <a:noFill/>
+        </p:spPr>
+        <p:txBody>
+          <a:bodyPr wrap="none" rtlCol="0">
+            <a:spAutoFit/>
+          </a:bodyPr>
+          <a:lstStyle/>
+          <a:p>
+            <a:pPr algn="ctr"/>
+            <a:r>
+              <a:rPr lang="ko-KR" altLang="en-US" sz="1100" dirty="0"/>
+              <a:t>삭제된 강의평가</a:t>
+            </a:r>
+            <a:endParaRPr lang="en-US" altLang="ko-KR" sz="1100" dirty="0"/>
+          </a:p>
+          <a:p>
+            <a:pPr algn="ctr"/>
+            <a:r>
+              <a:rPr lang="ko-KR" altLang="en-US" sz="1100" dirty="0"/>
+              <a:t>질문 정보</a:t>
+            </a:r>
+            <a:endParaRPr lang="ko-KR" altLang="en-US" sz="1600" dirty="0"/>
+          </a:p>
+        </p:txBody>
+      </p:sp>
+      <p:cxnSp>
+        <p:nvCxnSpPr>
+          <p:cNvPr id="82" name="직선 화살표 연결선 81"/>
+          <p:cNvCxnSpPr/>
+          <p:nvPr/>
+        </p:nvCxnSpPr>
+        <p:spPr>
+          <a:xfrm>
+            <a:off x="8427513" y="3378152"/>
+            <a:ext cx="1299783" cy="3807508"/>
+          </a:xfrm>
+          <a:prstGeom prst="straightConnector1">
+            <a:avLst/>
+          </a:prstGeom>
+          <a:ln w="38100">
+            <a:headEnd w="lg" len="lg"/>
+            <a:tailEnd type="triangle"/>
+          </a:ln>
+        </p:spPr>
+        <p:style>
+          <a:lnRef idx="1">
+            <a:schemeClr val="accent1"/>
+          </a:lnRef>
+          <a:fillRef idx="0">
+            <a:schemeClr val="accent1"/>
+          </a:fillRef>
+          <a:effectRef idx="0">
+            <a:schemeClr val="accent1"/>
+          </a:effectRef>
+          <a:fontRef idx="minor">
+            <a:schemeClr val="tx1"/>
+          </a:fontRef>
+        </p:style>
+      </p:cxnSp>
     </p:spTree>
     <p:extLst>
       <p:ext uri="{BB962C8B-B14F-4D97-AF65-F5344CB8AC3E}">

--- a/SDD 관련 자료/작업 결과물/대화 모형도/강의평가질문삭제.pptx
+++ b/SDD 관련 자료/작업 결과물/대화 모형도/강의평가질문삭제.pptx
@@ -3000,14 +3000,6 @@
               </a:rPr>
               <a:t>강의평가 질문 삭제</a:t>
             </a:r>
-            <a:r>
-              <a:rPr lang="en-US" altLang="ko-KR" sz="1100" dirty="0">
-                <a:solidFill>
-                  <a:sysClr val="windowText" lastClr="000000"/>
-                </a:solidFill>
-              </a:rPr>
-              <a:t/>
-            </a:r>
             <a:br>
               <a:rPr lang="en-US" altLang="ko-KR" sz="1100" dirty="0">
                 <a:solidFill>
@@ -3113,14 +3105,6 @@
                 </a:solidFill>
               </a:rPr>
               <a:t>강의평가 질문 </a:t>
-            </a:r>
-            <a:r>
-              <a:rPr lang="en-US" altLang="ko-KR" sz="1100" dirty="0">
-                <a:solidFill>
-                  <a:sysClr val="windowText" lastClr="000000"/>
-                </a:solidFill>
-              </a:rPr>
-              <a:t/>
             </a:r>
             <a:br>
               <a:rPr lang="en-US" altLang="ko-KR" sz="1100" dirty="0">
@@ -3880,14 +3864,6 @@
                 </a:rPr>
                 <a:t>강의 평가 질문</a:t>
               </a:r>
-              <a:r>
-                <a:rPr lang="en-US" altLang="ko-KR" sz="1100" dirty="0">
-                  <a:solidFill>
-                    <a:schemeClr val="tx1"/>
-                  </a:solidFill>
-                </a:rPr>
-                <a:t/>
-              </a:r>
               <a:br>
                 <a:rPr lang="en-US" altLang="ko-KR" sz="1100" dirty="0">
                   <a:solidFill>
@@ -4517,7 +4493,23 @@
                   <a:sysClr val="windowText" lastClr="000000"/>
                 </a:solidFill>
               </a:rPr>
-              <a:t>강의평가 질문 수정</a:t>
+              <a:t>강의평가 질문 삭제</a:t>
+            </a:r>
+            <a:endParaRPr lang="en-US" altLang="ko-KR" sz="1100" dirty="0">
+              <a:solidFill>
+                <a:sysClr val="windowText" lastClr="000000"/>
+              </a:solidFill>
+            </a:endParaRPr>
+          </a:p>
+          <a:p>
+            <a:pPr algn="ctr"/>
+            <a:r>
+              <a:rPr lang="ko-KR" altLang="en-US" sz="1100" dirty="0">
+                <a:solidFill>
+                  <a:sysClr val="windowText" lastClr="000000"/>
+                </a:solidFill>
+              </a:rPr>
+              <a:t>화면</a:t>
             </a:r>
           </a:p>
         </p:txBody>
@@ -5147,15 +5139,7 @@
                   <a:schemeClr val="tx1"/>
                 </a:solidFill>
               </a:rPr>
-              <a:t>강의 평가 질문 </a:t>
-            </a:r>
-            <a:r>
-              <a:rPr lang="ko-KR" altLang="en-US" sz="1100" dirty="0" smtClean="0">
-                <a:solidFill>
-                  <a:schemeClr val="tx1"/>
-                </a:solidFill>
-              </a:rPr>
-              <a:t>삭제</a:t>
+              <a:t>강의 평가 질문 삭제</a:t>
             </a:r>
             <a:endParaRPr lang="en-US" altLang="ko-KR" sz="1100" dirty="0">
               <a:solidFill>

--- a/SDD 관련 자료/작업 결과물/대화 모형도/강의평가질문삭제.pptx
+++ b/SDD 관련 자료/작업 결과물/대화 모형도/강의평가질문삭제.pptx
@@ -2950,7 +2950,7 @@
       </p:grpSpPr>
       <p:sp>
         <p:nvSpPr>
-          <p:cNvPr id="5" name="직사각형 4"/>
+          <p:cNvPr id="161" name="직사각형 160"/>
           <p:cNvSpPr/>
           <p:nvPr/>
         </p:nvSpPr>
@@ -3020,9 +3020,9 @@
       </p:sp>
       <p:cxnSp>
         <p:nvCxnSpPr>
-          <p:cNvPr id="6" name="직선 화살표 연결선 5"/>
+          <p:cNvPr id="162" name="직선 화살표 연결선 161"/>
           <p:cNvCxnSpPr>
-            <a:endCxn id="5" idx="0"/>
+            <a:endCxn id="161" idx="0"/>
           </p:cNvCxnSpPr>
           <p:nvPr/>
         </p:nvCxnSpPr>
@@ -3056,13 +3056,13 @@
       </p:cxnSp>
       <p:sp>
         <p:nvSpPr>
-          <p:cNvPr id="8" name="직사각형 7"/>
+          <p:cNvPr id="163" name="직사각형 162"/>
           <p:cNvSpPr/>
           <p:nvPr/>
         </p:nvSpPr>
         <p:spPr>
           <a:xfrm>
-            <a:off x="8683634" y="7357234"/>
+            <a:off x="6768424" y="7267601"/>
             <a:ext cx="1556992" cy="726131"/>
           </a:xfrm>
           <a:prstGeom prst="rect">
@@ -3126,7 +3126,7 @@
       </p:sp>
       <p:sp>
         <p:nvSpPr>
-          <p:cNvPr id="9" name="직사각형 8"/>
+          <p:cNvPr id="164" name="직사각형 163"/>
           <p:cNvSpPr/>
           <p:nvPr/>
         </p:nvSpPr>
@@ -3181,14 +3181,16 @@
       </p:sp>
       <p:cxnSp>
         <p:nvCxnSpPr>
-          <p:cNvPr id="10" name="직선 화살표 연결선 9"/>
-          <p:cNvCxnSpPr/>
+          <p:cNvPr id="165" name="직선 화살표 연결선 164"/>
+          <p:cNvCxnSpPr>
+            <a:endCxn id="219" idx="0"/>
+          </p:cNvCxnSpPr>
           <p:nvPr/>
         </p:nvCxnSpPr>
         <p:spPr>
           <a:xfrm flipH="1">
-            <a:off x="6315441" y="3344891"/>
-            <a:ext cx="1617940" cy="4012343"/>
+            <a:off x="5028464" y="3352834"/>
+            <a:ext cx="2881229" cy="3953500"/>
           </a:xfrm>
           <a:prstGeom prst="straightConnector1">
             <a:avLst/>
@@ -3215,9 +3217,9 @@
       </p:cxnSp>
       <p:cxnSp>
         <p:nvCxnSpPr>
-          <p:cNvPr id="11" name="직선 화살표 연결선 10"/>
+          <p:cNvPr id="166" name="직선 화살표 연결선 165"/>
           <p:cNvCxnSpPr>
-            <a:endCxn id="9" idx="0"/>
+            <a:endCxn id="164" idx="0"/>
           </p:cNvCxnSpPr>
           <p:nvPr/>
         </p:nvCxnSpPr>
@@ -3251,7 +3253,7 @@
       </p:cxnSp>
       <p:grpSp>
         <p:nvGrpSpPr>
-          <p:cNvPr id="12" name="그룹 11"/>
+          <p:cNvPr id="167" name="그룹 166"/>
           <p:cNvGrpSpPr/>
           <p:nvPr/>
         </p:nvGrpSpPr>
@@ -3265,7 +3267,7 @@
         </p:grpSpPr>
         <p:sp>
           <p:nvSpPr>
-            <p:cNvPr id="13" name="타원 12"/>
+            <p:cNvPr id="168" name="타원 167"/>
             <p:cNvSpPr/>
             <p:nvPr/>
           </p:nvSpPr>
@@ -3311,9 +3313,9 @@
         </p:sp>
         <p:cxnSp>
           <p:nvCxnSpPr>
-            <p:cNvPr id="14" name="직선 연결선 13"/>
+            <p:cNvPr id="169" name="직선 연결선 168"/>
             <p:cNvCxnSpPr>
-              <a:endCxn id="13" idx="5"/>
+              <a:endCxn id="168" idx="5"/>
             </p:cNvCxnSpPr>
             <p:nvPr/>
           </p:nvCxnSpPr>
@@ -3347,7 +3349,7 @@
       </p:grpSp>
       <p:sp>
         <p:nvSpPr>
-          <p:cNvPr id="15" name="TextBox 14"/>
+          <p:cNvPr id="170" name="TextBox 169"/>
           <p:cNvSpPr txBox="1"/>
           <p:nvPr/>
         </p:nvSpPr>
@@ -3377,7 +3379,7 @@
       </p:sp>
       <p:grpSp>
         <p:nvGrpSpPr>
-          <p:cNvPr id="16" name="그룹 15"/>
+          <p:cNvPr id="171" name="그룹 170"/>
           <p:cNvGrpSpPr/>
           <p:nvPr/>
         </p:nvGrpSpPr>
@@ -3391,7 +3393,7 @@
         </p:grpSpPr>
         <p:sp>
           <p:nvSpPr>
-            <p:cNvPr id="17" name="타원 16"/>
+            <p:cNvPr id="172" name="타원 171"/>
             <p:cNvSpPr/>
             <p:nvPr/>
           </p:nvSpPr>
@@ -3437,9 +3439,9 @@
         </p:sp>
         <p:cxnSp>
           <p:nvCxnSpPr>
-            <p:cNvPr id="18" name="직선 연결선 17"/>
+            <p:cNvPr id="173" name="직선 연결선 172"/>
             <p:cNvCxnSpPr>
-              <a:endCxn id="17" idx="5"/>
+              <a:endCxn id="172" idx="5"/>
             </p:cNvCxnSpPr>
             <p:nvPr/>
           </p:nvCxnSpPr>
@@ -3473,7 +3475,7 @@
       </p:grpSp>
       <p:sp>
         <p:nvSpPr>
-          <p:cNvPr id="19" name="TextBox 18"/>
+          <p:cNvPr id="174" name="TextBox 173"/>
           <p:cNvSpPr txBox="1"/>
           <p:nvPr/>
         </p:nvSpPr>
@@ -3503,13 +3505,13 @@
       </p:sp>
       <p:grpSp>
         <p:nvGrpSpPr>
-          <p:cNvPr id="27" name="그룹 26"/>
+          <p:cNvPr id="175" name="그룹 174"/>
           <p:cNvGrpSpPr/>
           <p:nvPr/>
         </p:nvGrpSpPr>
         <p:grpSpPr>
-          <a:xfrm rot="1952499">
-            <a:off x="8155848" y="4175840"/>
+          <a:xfrm rot="4096679">
+            <a:off x="7478824" y="4480051"/>
             <a:ext cx="465295" cy="429840"/>
             <a:chOff x="5764817" y="2081712"/>
             <a:chExt cx="465295" cy="429840"/>
@@ -3517,7 +3519,7 @@
         </p:grpSpPr>
         <p:sp>
           <p:nvSpPr>
-            <p:cNvPr id="28" name="타원 27"/>
+            <p:cNvPr id="176" name="타원 175"/>
             <p:cNvSpPr/>
             <p:nvPr/>
           </p:nvSpPr>
@@ -3563,9 +3565,9 @@
         </p:sp>
         <p:cxnSp>
           <p:nvCxnSpPr>
-            <p:cNvPr id="29" name="직선 연결선 28"/>
+            <p:cNvPr id="177" name="직선 연결선 176"/>
             <p:cNvCxnSpPr>
-              <a:endCxn id="28" idx="5"/>
+              <a:endCxn id="176" idx="5"/>
             </p:cNvCxnSpPr>
             <p:nvPr/>
           </p:nvCxnSpPr>
@@ -3599,13 +3601,13 @@
       </p:grpSp>
       <p:sp>
         <p:nvSpPr>
-          <p:cNvPr id="30" name="TextBox 29"/>
+          <p:cNvPr id="178" name="TextBox 177"/>
           <p:cNvSpPr txBox="1"/>
           <p:nvPr/>
         </p:nvSpPr>
         <p:spPr>
-          <a:xfrm rot="15427772">
-            <a:off x="7422428" y="4256752"/>
+          <a:xfrm rot="17683683">
+            <a:off x="6795095" y="4309329"/>
             <a:ext cx="1221809" cy="430887"/>
           </a:xfrm>
           <a:prstGeom prst="rect">
@@ -3636,265 +3638,19 @@
           </a:p>
         </p:txBody>
       </p:sp>
-      <p:grpSp>
-        <p:nvGrpSpPr>
-          <p:cNvPr id="31" name="그룹 30"/>
-          <p:cNvGrpSpPr/>
-          <p:nvPr/>
-        </p:nvGrpSpPr>
-        <p:grpSpPr>
-          <a:xfrm>
-            <a:off x="5484307" y="7382602"/>
-            <a:ext cx="1561933" cy="676405"/>
-            <a:chOff x="8118153" y="2442575"/>
-            <a:chExt cx="1561933" cy="676405"/>
-          </a:xfrm>
-        </p:grpSpPr>
-        <p:cxnSp>
-          <p:nvCxnSpPr>
-            <p:cNvPr id="32" name="직선 연결선 31"/>
-            <p:cNvCxnSpPr/>
-            <p:nvPr/>
-          </p:nvCxnSpPr>
-          <p:spPr>
-            <a:xfrm>
-              <a:off x="8118153" y="2442575"/>
-              <a:ext cx="1560286" cy="0"/>
-            </a:xfrm>
-            <a:prstGeom prst="line">
-              <a:avLst/>
-            </a:prstGeom>
-            <a:ln w="38100">
-              <a:solidFill>
-                <a:srgbClr val="41719C"/>
-              </a:solidFill>
-            </a:ln>
-          </p:spPr>
-          <p:style>
-            <a:lnRef idx="1">
-              <a:schemeClr val="accent1"/>
-            </a:lnRef>
-            <a:fillRef idx="0">
-              <a:schemeClr val="accent1"/>
-            </a:fillRef>
-            <a:effectRef idx="0">
-              <a:schemeClr val="accent1"/>
-            </a:effectRef>
-            <a:fontRef idx="minor">
-              <a:schemeClr val="tx1"/>
-            </a:fontRef>
-          </p:style>
-        </p:cxnSp>
-        <p:cxnSp>
-          <p:nvCxnSpPr>
-            <p:cNvPr id="33" name="직선 연결선 32"/>
-            <p:cNvCxnSpPr/>
-            <p:nvPr/>
-          </p:nvCxnSpPr>
-          <p:spPr>
-            <a:xfrm>
-              <a:off x="8119800" y="3118980"/>
-              <a:ext cx="1560286" cy="0"/>
-            </a:xfrm>
-            <a:prstGeom prst="line">
-              <a:avLst/>
-            </a:prstGeom>
-            <a:ln w="38100">
-              <a:solidFill>
-                <a:srgbClr val="41719C"/>
-              </a:solidFill>
-            </a:ln>
-          </p:spPr>
-          <p:style>
-            <a:lnRef idx="1">
-              <a:schemeClr val="accent1"/>
-            </a:lnRef>
-            <a:fillRef idx="0">
-              <a:schemeClr val="accent1"/>
-            </a:fillRef>
-            <a:effectRef idx="0">
-              <a:schemeClr val="accent1"/>
-            </a:effectRef>
-            <a:fontRef idx="minor">
-              <a:schemeClr val="tx1"/>
-            </a:fontRef>
-          </p:style>
-        </p:cxnSp>
-        <p:sp>
-          <p:nvSpPr>
-            <p:cNvPr id="34" name="직사각형 33"/>
-            <p:cNvSpPr/>
-            <p:nvPr/>
-          </p:nvSpPr>
-          <p:spPr>
-            <a:xfrm>
-              <a:off x="8217074" y="2530257"/>
-              <a:ext cx="1377863" cy="502203"/>
-            </a:xfrm>
-            <a:prstGeom prst="rect">
-              <a:avLst/>
-            </a:prstGeom>
-            <a:solidFill>
-              <a:schemeClr val="bg1"/>
-            </a:solidFill>
-            <a:ln>
-              <a:noFill/>
-            </a:ln>
-          </p:spPr>
-          <p:style>
-            <a:lnRef idx="2">
-              <a:schemeClr val="accent1">
-                <a:shade val="50000"/>
-              </a:schemeClr>
-            </a:lnRef>
-            <a:fillRef idx="1">
-              <a:schemeClr val="accent1"/>
-            </a:fillRef>
-            <a:effectRef idx="0">
-              <a:schemeClr val="accent1"/>
-            </a:effectRef>
-            <a:fontRef idx="minor">
-              <a:schemeClr val="lt1"/>
-            </a:fontRef>
-          </p:style>
-          <p:txBody>
-            <a:bodyPr rtlCol="0" anchor="ctr"/>
-            <a:lstStyle>
-              <a:defPPr>
-                <a:defRPr lang="ko-KR"/>
-              </a:defPPr>
-              <a:lvl1pPr marL="0" algn="l" defTabSz="914400" rtl="0" eaLnBrk="1" latinLnBrk="1" hangingPunct="1">
-                <a:defRPr sz="1800" kern="1200">
-                  <a:solidFill>
-                    <a:schemeClr val="lt1"/>
-                  </a:solidFill>
-                  <a:latin typeface="+mn-lt"/>
-                  <a:ea typeface="+mn-ea"/>
-                  <a:cs typeface="+mn-cs"/>
-                </a:defRPr>
-              </a:lvl1pPr>
-              <a:lvl2pPr marL="457200" algn="l" defTabSz="914400" rtl="0" eaLnBrk="1" latinLnBrk="1" hangingPunct="1">
-                <a:defRPr sz="1800" kern="1200">
-                  <a:solidFill>
-                    <a:schemeClr val="lt1"/>
-                  </a:solidFill>
-                  <a:latin typeface="+mn-lt"/>
-                  <a:ea typeface="+mn-ea"/>
-                  <a:cs typeface="+mn-cs"/>
-                </a:defRPr>
-              </a:lvl2pPr>
-              <a:lvl3pPr marL="914400" algn="l" defTabSz="914400" rtl="0" eaLnBrk="1" latinLnBrk="1" hangingPunct="1">
-                <a:defRPr sz="1800" kern="1200">
-                  <a:solidFill>
-                    <a:schemeClr val="lt1"/>
-                  </a:solidFill>
-                  <a:latin typeface="+mn-lt"/>
-                  <a:ea typeface="+mn-ea"/>
-                  <a:cs typeface="+mn-cs"/>
-                </a:defRPr>
-              </a:lvl3pPr>
-              <a:lvl4pPr marL="1371600" algn="l" defTabSz="914400" rtl="0" eaLnBrk="1" latinLnBrk="1" hangingPunct="1">
-                <a:defRPr sz="1800" kern="1200">
-                  <a:solidFill>
-                    <a:schemeClr val="lt1"/>
-                  </a:solidFill>
-                  <a:latin typeface="+mn-lt"/>
-                  <a:ea typeface="+mn-ea"/>
-                  <a:cs typeface="+mn-cs"/>
-                </a:defRPr>
-              </a:lvl4pPr>
-              <a:lvl5pPr marL="1828800" algn="l" defTabSz="914400" rtl="0" eaLnBrk="1" latinLnBrk="1" hangingPunct="1">
-                <a:defRPr sz="1800" kern="1200">
-                  <a:solidFill>
-                    <a:schemeClr val="lt1"/>
-                  </a:solidFill>
-                  <a:latin typeface="+mn-lt"/>
-                  <a:ea typeface="+mn-ea"/>
-                  <a:cs typeface="+mn-cs"/>
-                </a:defRPr>
-              </a:lvl5pPr>
-              <a:lvl6pPr marL="2286000" algn="l" defTabSz="914400" rtl="0" eaLnBrk="1" latinLnBrk="1" hangingPunct="1">
-                <a:defRPr sz="1800" kern="1200">
-                  <a:solidFill>
-                    <a:schemeClr val="lt1"/>
-                  </a:solidFill>
-                  <a:latin typeface="+mn-lt"/>
-                  <a:ea typeface="+mn-ea"/>
-                  <a:cs typeface="+mn-cs"/>
-                </a:defRPr>
-              </a:lvl6pPr>
-              <a:lvl7pPr marL="2743200" algn="l" defTabSz="914400" rtl="0" eaLnBrk="1" latinLnBrk="1" hangingPunct="1">
-                <a:defRPr sz="1800" kern="1200">
-                  <a:solidFill>
-                    <a:schemeClr val="lt1"/>
-                  </a:solidFill>
-                  <a:latin typeface="+mn-lt"/>
-                  <a:ea typeface="+mn-ea"/>
-                  <a:cs typeface="+mn-cs"/>
-                </a:defRPr>
-              </a:lvl7pPr>
-              <a:lvl8pPr marL="3200400" algn="l" defTabSz="914400" rtl="0" eaLnBrk="1" latinLnBrk="1" hangingPunct="1">
-                <a:defRPr sz="1800" kern="1200">
-                  <a:solidFill>
-                    <a:schemeClr val="lt1"/>
-                  </a:solidFill>
-                  <a:latin typeface="+mn-lt"/>
-                  <a:ea typeface="+mn-ea"/>
-                  <a:cs typeface="+mn-cs"/>
-                </a:defRPr>
-              </a:lvl8pPr>
-              <a:lvl9pPr marL="3657600" algn="l" defTabSz="914400" rtl="0" eaLnBrk="1" latinLnBrk="1" hangingPunct="1">
-                <a:defRPr sz="1800" kern="1200">
-                  <a:solidFill>
-                    <a:schemeClr val="lt1"/>
-                  </a:solidFill>
-                  <a:latin typeface="+mn-lt"/>
-                  <a:ea typeface="+mn-ea"/>
-                  <a:cs typeface="+mn-cs"/>
-                </a:defRPr>
-              </a:lvl9pPr>
-            </a:lstStyle>
-            <a:p>
-              <a:pPr algn="ctr"/>
-              <a:r>
-                <a:rPr lang="ko-KR" altLang="en-US" sz="1100" dirty="0">
-                  <a:solidFill>
-                    <a:schemeClr val="tx1"/>
-                  </a:solidFill>
-                </a:rPr>
-                <a:t>강의 평가 질문</a:t>
-              </a:r>
-              <a:br>
-                <a:rPr lang="en-US" altLang="ko-KR" sz="1100" dirty="0">
-                  <a:solidFill>
-                    <a:schemeClr val="tx1"/>
-                  </a:solidFill>
-                </a:rPr>
-              </a:br>
-              <a:r>
-                <a:rPr lang="ko-KR" altLang="en-US" sz="1100" dirty="0">
-                  <a:solidFill>
-                    <a:schemeClr val="tx1"/>
-                  </a:solidFill>
-                </a:rPr>
-                <a:t>저장소</a:t>
-              </a:r>
-            </a:p>
-          </p:txBody>
-        </p:sp>
-      </p:grpSp>
       <p:cxnSp>
         <p:nvCxnSpPr>
-          <p:cNvPr id="45" name="직선 화살표 연결선 44"/>
+          <p:cNvPr id="179" name="직선 화살표 연결선 178"/>
           <p:cNvCxnSpPr>
-            <a:endCxn id="8" idx="0"/>
+            <a:stCxn id="209" idx="2"/>
+            <a:endCxn id="163" idx="0"/>
           </p:cNvCxnSpPr>
           <p:nvPr/>
         </p:nvCxnSpPr>
         <p:spPr>
-          <a:xfrm>
-            <a:off x="8373985" y="3347857"/>
-            <a:ext cx="1088145" cy="4009377"/>
+          <a:xfrm flipH="1">
+            <a:off x="7546920" y="3365493"/>
+            <a:ext cx="587445" cy="3902108"/>
           </a:xfrm>
           <a:prstGeom prst="straightConnector1">
             <a:avLst/>
@@ -3921,13 +3677,13 @@
       </p:cxnSp>
       <p:grpSp>
         <p:nvGrpSpPr>
-          <p:cNvPr id="48" name="그룹 47"/>
+          <p:cNvPr id="180" name="그룹 179"/>
           <p:cNvGrpSpPr/>
           <p:nvPr/>
         </p:nvGrpSpPr>
         <p:grpSpPr>
-          <a:xfrm rot="15386436">
-            <a:off x="6607010" y="5252982"/>
+          <a:xfrm rot="15907832">
+            <a:off x="6096236" y="4953398"/>
             <a:ext cx="465295" cy="429840"/>
             <a:chOff x="5764817" y="2081712"/>
             <a:chExt cx="465295" cy="429840"/>
@@ -3935,7 +3691,7 @@
         </p:grpSpPr>
         <p:sp>
           <p:nvSpPr>
-            <p:cNvPr id="49" name="타원 48"/>
+            <p:cNvPr id="181" name="타원 180"/>
             <p:cNvSpPr/>
             <p:nvPr/>
           </p:nvSpPr>
@@ -3981,9 +3737,9 @@
         </p:sp>
         <p:cxnSp>
           <p:nvCxnSpPr>
-            <p:cNvPr id="50" name="직선 연결선 49"/>
+            <p:cNvPr id="182" name="직선 연결선 181"/>
             <p:cNvCxnSpPr>
-              <a:endCxn id="49" idx="5"/>
+              <a:endCxn id="181" idx="5"/>
             </p:cNvCxnSpPr>
             <p:nvPr/>
           </p:nvCxnSpPr>
@@ -4017,13 +3773,13 @@
       </p:grpSp>
       <p:sp>
         <p:nvSpPr>
-          <p:cNvPr id="51" name="TextBox 50"/>
+          <p:cNvPr id="183" name="TextBox 182"/>
           <p:cNvSpPr txBox="1"/>
           <p:nvPr/>
         </p:nvSpPr>
         <p:spPr>
-          <a:xfrm rot="17772725">
-            <a:off x="5536887" y="5189163"/>
+          <a:xfrm rot="18636243">
+            <a:off x="5089922" y="4889119"/>
             <a:ext cx="2065042" cy="261610"/>
           </a:xfrm>
           <a:prstGeom prst="rect">
@@ -4047,13 +3803,13 @@
       </p:sp>
       <p:grpSp>
         <p:nvGrpSpPr>
-          <p:cNvPr id="65" name="그룹 64"/>
+          <p:cNvPr id="184" name="그룹 183"/>
           <p:cNvGrpSpPr/>
           <p:nvPr/>
         </p:nvGrpSpPr>
         <p:grpSpPr>
-          <a:xfrm rot="1952499">
-            <a:off x="8537583" y="5782844"/>
+          <a:xfrm rot="3861689">
+            <a:off x="7208715" y="5975840"/>
             <a:ext cx="465295" cy="429840"/>
             <a:chOff x="5764817" y="2081712"/>
             <a:chExt cx="465295" cy="429840"/>
@@ -4061,7 +3817,7 @@
         </p:grpSpPr>
         <p:sp>
           <p:nvSpPr>
-            <p:cNvPr id="66" name="타원 65"/>
+            <p:cNvPr id="185" name="타원 184"/>
             <p:cNvSpPr/>
             <p:nvPr/>
           </p:nvSpPr>
@@ -4107,9 +3863,9 @@
         </p:sp>
         <p:cxnSp>
           <p:nvCxnSpPr>
-            <p:cNvPr id="67" name="직선 연결선 66"/>
+            <p:cNvPr id="186" name="직선 연결선 185"/>
             <p:cNvCxnSpPr>
-              <a:endCxn id="66" idx="5"/>
+              <a:endCxn id="185" idx="5"/>
             </p:cNvCxnSpPr>
             <p:nvPr/>
           </p:nvCxnSpPr>
@@ -4143,13 +3899,13 @@
       </p:grpSp>
       <p:sp>
         <p:nvSpPr>
-          <p:cNvPr id="68" name="TextBox 67"/>
+          <p:cNvPr id="187" name="TextBox 186"/>
           <p:cNvSpPr txBox="1"/>
           <p:nvPr/>
         </p:nvSpPr>
         <p:spPr>
-          <a:xfrm rot="15264010">
-            <a:off x="7498020" y="5980689"/>
+          <a:xfrm rot="16966098">
+            <a:off x="6094033" y="5734627"/>
             <a:ext cx="1885453" cy="261610"/>
           </a:xfrm>
           <a:prstGeom prst="rect">
@@ -4173,13 +3929,13 @@
       </p:sp>
       <p:grpSp>
         <p:nvGrpSpPr>
-          <p:cNvPr id="39" name="그룹 38"/>
+          <p:cNvPr id="188" name="그룹 187"/>
           <p:cNvGrpSpPr/>
           <p:nvPr/>
         </p:nvGrpSpPr>
         <p:grpSpPr>
-          <a:xfrm rot="12890091">
-            <a:off x="9359567" y="6191139"/>
+          <a:xfrm rot="14100084">
+            <a:off x="7787643" y="5856816"/>
             <a:ext cx="465295" cy="429840"/>
             <a:chOff x="5764817" y="2081712"/>
             <a:chExt cx="465295" cy="429840"/>
@@ -4187,7 +3943,7 @@
         </p:grpSpPr>
         <p:sp>
           <p:nvSpPr>
-            <p:cNvPr id="40" name="타원 39"/>
+            <p:cNvPr id="189" name="타원 188"/>
             <p:cNvSpPr/>
             <p:nvPr/>
           </p:nvSpPr>
@@ -4235,9 +3991,9 @@
         </p:sp>
         <p:cxnSp>
           <p:nvCxnSpPr>
-            <p:cNvPr id="41" name="직선 연결선 40"/>
+            <p:cNvPr id="190" name="직선 연결선 189"/>
             <p:cNvCxnSpPr>
-              <a:endCxn id="40" idx="5"/>
+              <a:endCxn id="189" idx="5"/>
             </p:cNvCxnSpPr>
             <p:nvPr/>
           </p:nvCxnSpPr>
@@ -4271,13 +4027,13 @@
       </p:grpSp>
       <p:sp>
         <p:nvSpPr>
-          <p:cNvPr id="42" name="TextBox 41"/>
+          <p:cNvPr id="191" name="TextBox 190"/>
           <p:cNvSpPr txBox="1"/>
           <p:nvPr/>
         </p:nvSpPr>
         <p:spPr>
-          <a:xfrm rot="4467908">
-            <a:off x="9266385" y="6126235"/>
+          <a:xfrm rot="5735757">
+            <a:off x="7677870" y="5903547"/>
             <a:ext cx="1462260" cy="430887"/>
           </a:xfrm>
           <a:prstGeom prst="rect">
@@ -4308,144 +4064,9 @@
           </a:p>
         </p:txBody>
       </p:sp>
-      <p:grpSp>
-        <p:nvGrpSpPr>
-          <p:cNvPr id="38" name="그룹 37"/>
-          <p:cNvGrpSpPr/>
-          <p:nvPr/>
-        </p:nvGrpSpPr>
-        <p:grpSpPr>
-          <a:xfrm rot="4479793">
-            <a:off x="7084138" y="5417349"/>
-            <a:ext cx="465295" cy="429840"/>
-            <a:chOff x="5764817" y="2081712"/>
-            <a:chExt cx="465295" cy="429840"/>
-          </a:xfrm>
-        </p:grpSpPr>
-        <p:sp>
-          <p:nvSpPr>
-            <p:cNvPr id="43" name="타원 42"/>
-            <p:cNvSpPr/>
-            <p:nvPr/>
-          </p:nvSpPr>
-          <p:spPr>
-            <a:xfrm>
-              <a:off x="5764817" y="2081712"/>
-              <a:ext cx="254984" cy="254984"/>
-            </a:xfrm>
-            <a:prstGeom prst="ellipse">
-              <a:avLst/>
-            </a:prstGeom>
-            <a:noFill/>
-            <a:ln w="38100">
-              <a:solidFill>
-                <a:schemeClr val="accent1"/>
-              </a:solidFill>
-            </a:ln>
-          </p:spPr>
-          <p:style>
-            <a:lnRef idx="2">
-              <a:schemeClr val="accent1">
-                <a:shade val="50000"/>
-              </a:schemeClr>
-            </a:lnRef>
-            <a:fillRef idx="1">
-              <a:schemeClr val="accent1"/>
-            </a:fillRef>
-            <a:effectRef idx="0">
-              <a:schemeClr val="accent1"/>
-            </a:effectRef>
-            <a:fontRef idx="minor">
-              <a:schemeClr val="lt1"/>
-            </a:fontRef>
-          </p:style>
-          <p:txBody>
-            <a:bodyPr rtlCol="0" anchor="ctr"/>
-            <a:lstStyle/>
-            <a:p>
-              <a:pPr algn="ctr"/>
-              <a:endParaRPr lang="ko-KR" altLang="en-US"/>
-            </a:p>
-          </p:txBody>
-        </p:sp>
-        <p:cxnSp>
-          <p:nvCxnSpPr>
-            <p:cNvPr id="44" name="직선 연결선 43"/>
-            <p:cNvCxnSpPr>
-              <a:endCxn id="43" idx="5"/>
-            </p:cNvCxnSpPr>
-            <p:nvPr/>
-          </p:nvCxnSpPr>
-          <p:spPr>
-            <a:xfrm flipH="1" flipV="1">
-              <a:off x="5982459" y="2299354"/>
-              <a:ext cx="247653" cy="212198"/>
-            </a:xfrm>
-            <a:prstGeom prst="line">
-              <a:avLst/>
-            </a:prstGeom>
-            <a:ln w="38100">
-              <a:headEnd type="stealth" w="lg" len="lg"/>
-            </a:ln>
-          </p:spPr>
-          <p:style>
-            <a:lnRef idx="1">
-              <a:schemeClr val="accent1"/>
-            </a:lnRef>
-            <a:fillRef idx="0">
-              <a:schemeClr val="accent1"/>
-            </a:fillRef>
-            <a:effectRef idx="0">
-              <a:schemeClr val="accent1"/>
-            </a:effectRef>
-            <a:fontRef idx="minor">
-              <a:schemeClr val="tx1"/>
-            </a:fontRef>
-          </p:style>
-        </p:cxnSp>
-      </p:grpSp>
-      <p:sp>
-        <p:nvSpPr>
-          <p:cNvPr id="46" name="TextBox 45"/>
-          <p:cNvSpPr txBox="1"/>
-          <p:nvPr/>
-        </p:nvSpPr>
-        <p:spPr>
-          <a:xfrm rot="17865144">
-            <a:off x="7054124" y="5567550"/>
-            <a:ext cx="1221809" cy="430887"/>
-          </a:xfrm>
-          <a:prstGeom prst="rect">
-            <a:avLst/>
-          </a:prstGeom>
-          <a:noFill/>
-        </p:spPr>
-        <p:txBody>
-          <a:bodyPr wrap="none" rtlCol="0">
-            <a:spAutoFit/>
-          </a:bodyPr>
-          <a:lstStyle/>
-          <a:p>
-            <a:pPr algn="ctr"/>
-            <a:r>
-              <a:rPr lang="ko-KR" altLang="en-US" sz="1100" dirty="0"/>
-              <a:t>삭제된 강의평가</a:t>
-            </a:r>
-            <a:endParaRPr lang="en-US" altLang="ko-KR" sz="1100" dirty="0"/>
-          </a:p>
-          <a:p>
-            <a:pPr algn="ctr"/>
-            <a:r>
-              <a:rPr lang="ko-KR" altLang="en-US" sz="1100" dirty="0"/>
-              <a:t>질문 정보</a:t>
-            </a:r>
-            <a:endParaRPr lang="ko-KR" altLang="en-US" sz="1600" dirty="0"/>
-          </a:p>
-        </p:txBody>
-      </p:sp>
-      <p:sp>
-        <p:nvSpPr>
-          <p:cNvPr id="100" name="직사각형 99"/>
+      <p:sp>
+        <p:nvSpPr>
+          <p:cNvPr id="192" name="직사각형 191"/>
           <p:cNvSpPr/>
           <p:nvPr/>
         </p:nvSpPr>
@@ -4493,7 +4114,7 @@
                   <a:sysClr val="windowText" lastClr="000000"/>
                 </a:solidFill>
               </a:rPr>
-              <a:t>강의평가 질문 삭제</a:t>
+              <a:t>강의평가 질문 </a:t>
             </a:r>
             <a:endParaRPr lang="en-US" altLang="ko-KR" sz="1100" dirty="0">
               <a:solidFill>
@@ -4509,14 +4130,14 @@
                   <a:sysClr val="windowText" lastClr="000000"/>
                 </a:solidFill>
               </a:rPr>
-              <a:t>화면</a:t>
-            </a:r>
-          </a:p>
-        </p:txBody>
-      </p:sp>
-      <p:sp>
-        <p:nvSpPr>
-          <p:cNvPr id="101" name="직사각형 100"/>
+              <a:t>삭제 화면</a:t>
+            </a:r>
+          </a:p>
+        </p:txBody>
+      </p:sp>
+      <p:sp>
+        <p:nvSpPr>
+          <p:cNvPr id="193" name="직사각형 192"/>
           <p:cNvSpPr/>
           <p:nvPr/>
         </p:nvSpPr>
@@ -4571,10 +4192,10 @@
       </p:sp>
       <p:cxnSp>
         <p:nvCxnSpPr>
-          <p:cNvPr id="102" name="직선 화살표 연결선 101"/>
+          <p:cNvPr id="194" name="직선 화살표 연결선 193"/>
           <p:cNvCxnSpPr>
-            <a:stCxn id="100" idx="2"/>
-            <a:endCxn id="101" idx="0"/>
+            <a:stCxn id="192" idx="2"/>
+            <a:endCxn id="193" idx="0"/>
           </p:cNvCxnSpPr>
           <p:nvPr/>
         </p:nvCxnSpPr>
@@ -4608,7 +4229,7 @@
       </p:cxnSp>
       <p:sp>
         <p:nvSpPr>
-          <p:cNvPr id="103" name="직사각형 102"/>
+          <p:cNvPr id="195" name="직사각형 194"/>
           <p:cNvSpPr/>
           <p:nvPr/>
         </p:nvSpPr>
@@ -4663,7 +4284,7 @@
       </p:sp>
       <p:grpSp>
         <p:nvGrpSpPr>
-          <p:cNvPr id="104" name="그룹 103"/>
+          <p:cNvPr id="196" name="그룹 195"/>
           <p:cNvGrpSpPr/>
           <p:nvPr/>
         </p:nvGrpSpPr>
@@ -4677,7 +4298,7 @@
         </p:grpSpPr>
         <p:sp>
           <p:nvSpPr>
-            <p:cNvPr id="105" name="타원 104"/>
+            <p:cNvPr id="197" name="타원 196"/>
             <p:cNvSpPr/>
             <p:nvPr/>
           </p:nvSpPr>
@@ -4723,9 +4344,9 @@
         </p:sp>
         <p:cxnSp>
           <p:nvCxnSpPr>
-            <p:cNvPr id="106" name="직선 연결선 105"/>
+            <p:cNvPr id="198" name="직선 연결선 197"/>
             <p:cNvCxnSpPr>
-              <a:endCxn id="105" idx="5"/>
+              <a:endCxn id="197" idx="5"/>
             </p:cNvCxnSpPr>
             <p:nvPr/>
           </p:nvCxnSpPr>
@@ -4759,7 +4380,7 @@
       </p:grpSp>
       <p:sp>
         <p:nvSpPr>
-          <p:cNvPr id="107" name="TextBox 106"/>
+          <p:cNvPr id="199" name="TextBox 198"/>
           <p:cNvSpPr txBox="1"/>
           <p:nvPr/>
         </p:nvSpPr>
@@ -4790,7 +4411,7 @@
       </p:sp>
       <p:grpSp>
         <p:nvGrpSpPr>
-          <p:cNvPr id="108" name="그룹 107"/>
+          <p:cNvPr id="200" name="그룹 199"/>
           <p:cNvGrpSpPr/>
           <p:nvPr/>
         </p:nvGrpSpPr>
@@ -4804,7 +4425,7 @@
         </p:grpSpPr>
         <p:sp>
           <p:nvSpPr>
-            <p:cNvPr id="109" name="타원 108"/>
+            <p:cNvPr id="201" name="타원 200"/>
             <p:cNvSpPr/>
             <p:nvPr/>
           </p:nvSpPr>
@@ -4850,9 +4471,9 @@
         </p:sp>
         <p:cxnSp>
           <p:nvCxnSpPr>
-            <p:cNvPr id="110" name="직선 연결선 109"/>
+            <p:cNvPr id="202" name="직선 연결선 201"/>
             <p:cNvCxnSpPr>
-              <a:endCxn id="109" idx="5"/>
+              <a:endCxn id="201" idx="5"/>
             </p:cNvCxnSpPr>
             <p:nvPr/>
           </p:nvCxnSpPr>
@@ -4886,7 +4507,7 @@
       </p:grpSp>
       <p:sp>
         <p:nvSpPr>
-          <p:cNvPr id="111" name="TextBox 110"/>
+          <p:cNvPr id="203" name="TextBox 202"/>
           <p:cNvSpPr txBox="1"/>
           <p:nvPr/>
         </p:nvSpPr>
@@ -4917,7 +4538,7 @@
       </p:sp>
       <p:sp>
         <p:nvSpPr>
-          <p:cNvPr id="112" name="TextBox 111"/>
+          <p:cNvPr id="204" name="TextBox 203"/>
           <p:cNvSpPr txBox="1"/>
           <p:nvPr/>
         </p:nvSpPr>
@@ -4956,10 +4577,10 @@
       </p:sp>
       <p:cxnSp>
         <p:nvCxnSpPr>
-          <p:cNvPr id="113" name="직선 화살표 연결선 112"/>
+          <p:cNvPr id="205" name="직선 화살표 연결선 204"/>
           <p:cNvCxnSpPr>
-            <a:stCxn id="100" idx="2"/>
-            <a:endCxn id="103" idx="0"/>
+            <a:stCxn id="192" idx="2"/>
+            <a:endCxn id="195" idx="0"/>
           </p:cNvCxnSpPr>
           <p:nvPr/>
         </p:nvCxnSpPr>
@@ -4993,7 +4614,7 @@
       </p:cxnSp>
       <p:grpSp>
         <p:nvGrpSpPr>
-          <p:cNvPr id="114" name="그룹 113"/>
+          <p:cNvPr id="206" name="그룹 205"/>
           <p:cNvGrpSpPr/>
           <p:nvPr/>
         </p:nvGrpSpPr>
@@ -5007,7 +4628,7 @@
         </p:grpSpPr>
         <p:sp>
           <p:nvSpPr>
-            <p:cNvPr id="115" name="타원 114"/>
+            <p:cNvPr id="207" name="타원 206"/>
             <p:cNvSpPr/>
             <p:nvPr/>
           </p:nvSpPr>
@@ -5055,9 +4676,9 @@
         </p:sp>
         <p:cxnSp>
           <p:nvCxnSpPr>
-            <p:cNvPr id="116" name="직선 연결선 115"/>
+            <p:cNvPr id="208" name="직선 연결선 207"/>
             <p:cNvCxnSpPr>
-              <a:endCxn id="115" idx="5"/>
+              <a:endCxn id="207" idx="5"/>
             </p:cNvCxnSpPr>
             <p:nvPr/>
           </p:nvCxnSpPr>
@@ -5091,7 +4712,7 @@
       </p:grpSp>
       <p:sp>
         <p:nvSpPr>
-          <p:cNvPr id="117" name="직사각형 116"/>
+          <p:cNvPr id="209" name="직사각형 208"/>
           <p:cNvSpPr/>
           <p:nvPr/>
         </p:nvSpPr>
@@ -5151,10 +4772,10 @@
       </p:sp>
       <p:cxnSp>
         <p:nvCxnSpPr>
-          <p:cNvPr id="118" name="직선 화살표 연결선 117"/>
+          <p:cNvPr id="210" name="직선 화살표 연결선 209"/>
           <p:cNvCxnSpPr>
-            <a:stCxn id="100" idx="2"/>
-            <a:endCxn id="117" idx="0"/>
+            <a:stCxn id="192" idx="2"/>
+            <a:endCxn id="209" idx="0"/>
           </p:cNvCxnSpPr>
           <p:nvPr/>
         </p:nvCxnSpPr>
@@ -5188,7 +4809,7 @@
       </p:cxnSp>
       <p:grpSp>
         <p:nvGrpSpPr>
-          <p:cNvPr id="119" name="그룹 118"/>
+          <p:cNvPr id="211" name="그룹 210"/>
           <p:cNvGrpSpPr/>
           <p:nvPr/>
         </p:nvGrpSpPr>
@@ -5202,7 +4823,7 @@
         </p:grpSpPr>
         <p:sp>
           <p:nvSpPr>
-            <p:cNvPr id="120" name="타원 119"/>
+            <p:cNvPr id="212" name="타원 211"/>
             <p:cNvSpPr/>
             <p:nvPr/>
           </p:nvSpPr>
@@ -5250,9 +4871,9 @@
         </p:sp>
         <p:cxnSp>
           <p:nvCxnSpPr>
-            <p:cNvPr id="121" name="직선 연결선 120"/>
+            <p:cNvPr id="213" name="직선 연결선 212"/>
             <p:cNvCxnSpPr>
-              <a:endCxn id="120" idx="5"/>
+              <a:endCxn id="212" idx="5"/>
             </p:cNvCxnSpPr>
             <p:nvPr/>
           </p:nvCxnSpPr>
@@ -5286,7 +4907,7 @@
       </p:grpSp>
       <p:sp>
         <p:nvSpPr>
-          <p:cNvPr id="122" name="TextBox 121"/>
+          <p:cNvPr id="214" name="TextBox 213"/>
           <p:cNvSpPr txBox="1"/>
           <p:nvPr/>
         </p:nvSpPr>
@@ -5325,7 +4946,7 @@
       </p:sp>
       <p:grpSp>
         <p:nvGrpSpPr>
-          <p:cNvPr id="123" name="그룹 122"/>
+          <p:cNvPr id="215" name="그룹 214"/>
           <p:cNvGrpSpPr/>
           <p:nvPr/>
         </p:nvGrpSpPr>
@@ -5339,7 +4960,7 @@
         </p:grpSpPr>
         <p:sp>
           <p:nvSpPr>
-            <p:cNvPr id="124" name="타원 123"/>
+            <p:cNvPr id="216" name="타원 215"/>
             <p:cNvSpPr/>
             <p:nvPr/>
           </p:nvSpPr>
@@ -5387,9 +5008,9 @@
         </p:sp>
         <p:cxnSp>
           <p:nvCxnSpPr>
-            <p:cNvPr id="125" name="직선 연결선 124"/>
+            <p:cNvPr id="217" name="직선 연결선 216"/>
             <p:cNvCxnSpPr>
-              <a:endCxn id="124" idx="5"/>
+              <a:endCxn id="216" idx="5"/>
             </p:cNvCxnSpPr>
             <p:nvPr/>
           </p:nvCxnSpPr>
@@ -5423,7 +5044,7 @@
       </p:grpSp>
       <p:sp>
         <p:nvSpPr>
-          <p:cNvPr id="126" name="TextBox 125"/>
+          <p:cNvPr id="218" name="TextBox 217"/>
           <p:cNvSpPr txBox="1"/>
           <p:nvPr/>
         </p:nvSpPr>
@@ -5460,6 +5081,317 @@
           </a:p>
         </p:txBody>
       </p:sp>
+      <p:sp>
+        <p:nvSpPr>
+          <p:cNvPr id="219" name="직사각형 218"/>
+          <p:cNvSpPr/>
+          <p:nvPr/>
+        </p:nvSpPr>
+        <p:spPr>
+          <a:xfrm>
+            <a:off x="4249968" y="7306334"/>
+            <a:ext cx="1556992" cy="726131"/>
+          </a:xfrm>
+          <a:prstGeom prst="rect">
+            <a:avLst/>
+          </a:prstGeom>
+          <a:noFill/>
+          <a:ln w="31750">
+            <a:solidFill>
+              <a:schemeClr val="accent1">
+                <a:shade val="50000"/>
+              </a:schemeClr>
+            </a:solidFill>
+          </a:ln>
+        </p:spPr>
+        <p:style>
+          <a:lnRef idx="2">
+            <a:schemeClr val="accent1">
+              <a:shade val="50000"/>
+            </a:schemeClr>
+          </a:lnRef>
+          <a:fillRef idx="1">
+            <a:schemeClr val="accent1"/>
+          </a:fillRef>
+          <a:effectRef idx="0">
+            <a:schemeClr val="accent1"/>
+          </a:effectRef>
+          <a:fontRef idx="minor">
+            <a:schemeClr val="lt1"/>
+          </a:fontRef>
+        </p:style>
+        <p:txBody>
+          <a:bodyPr rtlCol="0" anchor="ctr"/>
+          <a:lstStyle/>
+          <a:p>
+            <a:pPr algn="ctr"/>
+            <a:r>
+              <a:rPr lang="ko-KR" altLang="en-US" sz="1100" dirty="0">
+                <a:solidFill>
+                  <a:sysClr val="windowText" lastClr="000000"/>
+                </a:solidFill>
+              </a:rPr>
+              <a:t>강의 평가 질문 정보</a:t>
+            </a:r>
+            <a:endParaRPr lang="en-US" altLang="ko-KR" sz="1100" dirty="0">
+              <a:solidFill>
+                <a:sysClr val="windowText" lastClr="000000"/>
+              </a:solidFill>
+            </a:endParaRPr>
+          </a:p>
+          <a:p>
+            <a:pPr algn="ctr"/>
+            <a:r>
+              <a:rPr lang="ko-KR" altLang="en-US" sz="1100" dirty="0">
+                <a:solidFill>
+                  <a:sysClr val="windowText" lastClr="000000"/>
+                </a:solidFill>
+              </a:rPr>
+              <a:t>읽음</a:t>
+            </a:r>
+          </a:p>
+        </p:txBody>
+      </p:sp>
+      <p:sp>
+        <p:nvSpPr>
+          <p:cNvPr id="220" name="직사각형 219"/>
+          <p:cNvSpPr/>
+          <p:nvPr/>
+        </p:nvSpPr>
+        <p:spPr>
+          <a:xfrm>
+            <a:off x="9415155" y="7218921"/>
+            <a:ext cx="1556992" cy="726131"/>
+          </a:xfrm>
+          <a:prstGeom prst="rect">
+            <a:avLst/>
+          </a:prstGeom>
+          <a:noFill/>
+          <a:ln w="31750">
+            <a:solidFill>
+              <a:schemeClr val="accent1">
+                <a:shade val="50000"/>
+              </a:schemeClr>
+            </a:solidFill>
+          </a:ln>
+        </p:spPr>
+        <p:style>
+          <a:lnRef idx="2">
+            <a:schemeClr val="accent1">
+              <a:shade val="50000"/>
+            </a:schemeClr>
+          </a:lnRef>
+          <a:fillRef idx="1">
+            <a:schemeClr val="accent1"/>
+          </a:fillRef>
+          <a:effectRef idx="0">
+            <a:schemeClr val="accent1"/>
+          </a:effectRef>
+          <a:fontRef idx="minor">
+            <a:schemeClr val="lt1"/>
+          </a:fontRef>
+        </p:style>
+        <p:txBody>
+          <a:bodyPr rtlCol="0" anchor="ctr"/>
+          <a:lstStyle/>
+          <a:p>
+            <a:pPr algn="ctr"/>
+            <a:r>
+              <a:rPr lang="ko-KR" altLang="en-US" sz="1100" dirty="0">
+                <a:solidFill>
+                  <a:sysClr val="windowText" lastClr="000000"/>
+                </a:solidFill>
+              </a:rPr>
+              <a:t>강의 평가 질문 정보</a:t>
+            </a:r>
+            <a:endParaRPr lang="en-US" altLang="ko-KR" sz="1100" dirty="0">
+              <a:solidFill>
+                <a:sysClr val="windowText" lastClr="000000"/>
+              </a:solidFill>
+            </a:endParaRPr>
+          </a:p>
+          <a:p>
+            <a:pPr algn="ctr"/>
+            <a:r>
+              <a:rPr lang="ko-KR" altLang="en-US" sz="1100" dirty="0">
+                <a:solidFill>
+                  <a:sysClr val="windowText" lastClr="000000"/>
+                </a:solidFill>
+              </a:rPr>
+              <a:t>저장</a:t>
+            </a:r>
+          </a:p>
+        </p:txBody>
+      </p:sp>
+      <p:grpSp>
+        <p:nvGrpSpPr>
+          <p:cNvPr id="221" name="그룹 220"/>
+          <p:cNvGrpSpPr/>
+          <p:nvPr/>
+        </p:nvGrpSpPr>
+        <p:grpSpPr>
+          <a:xfrm rot="1205072">
+            <a:off x="9236004" y="5209483"/>
+            <a:ext cx="465295" cy="429840"/>
+            <a:chOff x="5764817" y="2081712"/>
+            <a:chExt cx="465295" cy="429840"/>
+          </a:xfrm>
+        </p:grpSpPr>
+        <p:sp>
+          <p:nvSpPr>
+            <p:cNvPr id="222" name="타원 221"/>
+            <p:cNvSpPr/>
+            <p:nvPr/>
+          </p:nvSpPr>
+          <p:spPr>
+            <a:xfrm>
+              <a:off x="5764817" y="2081712"/>
+              <a:ext cx="254984" cy="254984"/>
+            </a:xfrm>
+            <a:prstGeom prst="ellipse">
+              <a:avLst/>
+            </a:prstGeom>
+            <a:noFill/>
+            <a:ln w="38100">
+              <a:solidFill>
+                <a:schemeClr val="accent1"/>
+              </a:solidFill>
+            </a:ln>
+          </p:spPr>
+          <p:style>
+            <a:lnRef idx="2">
+              <a:schemeClr val="accent1">
+                <a:shade val="50000"/>
+              </a:schemeClr>
+            </a:lnRef>
+            <a:fillRef idx="1">
+              <a:schemeClr val="accent1"/>
+            </a:fillRef>
+            <a:effectRef idx="0">
+              <a:schemeClr val="accent1"/>
+            </a:effectRef>
+            <a:fontRef idx="minor">
+              <a:schemeClr val="lt1"/>
+            </a:fontRef>
+          </p:style>
+          <p:txBody>
+            <a:bodyPr rtlCol="0" anchor="ctr"/>
+            <a:lstStyle/>
+            <a:p>
+              <a:pPr algn="ctr"/>
+              <a:endParaRPr lang="ko-KR" altLang="en-US"/>
+            </a:p>
+          </p:txBody>
+        </p:sp>
+        <p:cxnSp>
+          <p:nvCxnSpPr>
+            <p:cNvPr id="223" name="직선 연결선 222"/>
+            <p:cNvCxnSpPr>
+              <a:endCxn id="222" idx="5"/>
+            </p:cNvCxnSpPr>
+            <p:nvPr/>
+          </p:nvCxnSpPr>
+          <p:spPr>
+            <a:xfrm flipH="1" flipV="1">
+              <a:off x="5982459" y="2299354"/>
+              <a:ext cx="247653" cy="212198"/>
+            </a:xfrm>
+            <a:prstGeom prst="line">
+              <a:avLst/>
+            </a:prstGeom>
+            <a:ln w="38100">
+              <a:headEnd type="stealth" w="lg" len="lg"/>
+            </a:ln>
+          </p:spPr>
+          <p:style>
+            <a:lnRef idx="1">
+              <a:schemeClr val="accent1"/>
+            </a:lnRef>
+            <a:fillRef idx="0">
+              <a:schemeClr val="accent1"/>
+            </a:fillRef>
+            <a:effectRef idx="0">
+              <a:schemeClr val="accent1"/>
+            </a:effectRef>
+            <a:fontRef idx="minor">
+              <a:schemeClr val="tx1"/>
+            </a:fontRef>
+          </p:style>
+        </p:cxnSp>
+      </p:grpSp>
+      <p:sp>
+        <p:nvSpPr>
+          <p:cNvPr id="224" name="TextBox 223"/>
+          <p:cNvSpPr txBox="1"/>
+          <p:nvPr/>
+        </p:nvSpPr>
+        <p:spPr>
+          <a:xfrm rot="3560223">
+            <a:off x="9175620" y="4984369"/>
+            <a:ext cx="1221809" cy="430887"/>
+          </a:xfrm>
+          <a:prstGeom prst="rect">
+            <a:avLst/>
+          </a:prstGeom>
+          <a:noFill/>
+        </p:spPr>
+        <p:txBody>
+          <a:bodyPr wrap="none" rtlCol="0">
+            <a:spAutoFit/>
+          </a:bodyPr>
+          <a:lstStyle/>
+          <a:p>
+            <a:pPr algn="ctr"/>
+            <a:r>
+              <a:rPr lang="ko-KR" altLang="en-US" sz="1100" dirty="0"/>
+              <a:t>삭제된 강의평가</a:t>
+            </a:r>
+            <a:endParaRPr lang="en-US" altLang="ko-KR" sz="1100" dirty="0"/>
+          </a:p>
+          <a:p>
+            <a:pPr algn="ctr"/>
+            <a:r>
+              <a:rPr lang="ko-KR" altLang="en-US" sz="1100" dirty="0"/>
+              <a:t>질문 정보</a:t>
+            </a:r>
+            <a:endParaRPr lang="ko-KR" altLang="en-US" sz="1600" dirty="0"/>
+          </a:p>
+        </p:txBody>
+      </p:sp>
+      <p:cxnSp>
+        <p:nvCxnSpPr>
+          <p:cNvPr id="225" name="직선 화살표 연결선 224"/>
+          <p:cNvCxnSpPr/>
+          <p:nvPr/>
+        </p:nvCxnSpPr>
+        <p:spPr>
+          <a:xfrm>
+            <a:off x="8427513" y="3378152"/>
+            <a:ext cx="1299783" cy="3807508"/>
+          </a:xfrm>
+          <a:prstGeom prst="straightConnector1">
+            <a:avLst/>
+          </a:prstGeom>
+          <a:ln w="38100">
+            <a:headEnd w="lg" len="lg"/>
+            <a:tailEnd type="triangle"/>
+          </a:ln>
+        </p:spPr>
+        <p:style>
+          <a:lnRef idx="1">
+            <a:schemeClr val="accent1"/>
+          </a:lnRef>
+          <a:fillRef idx="0">
+            <a:schemeClr val="accent1"/>
+          </a:fillRef>
+          <a:effectRef idx="0">
+            <a:schemeClr val="accent1"/>
+          </a:effectRef>
+          <a:fontRef idx="minor">
+            <a:schemeClr val="tx1"/>
+          </a:fontRef>
+        </p:style>
+      </p:cxnSp>
     </p:spTree>
     <p:extLst>
       <p:ext uri="{BB962C8B-B14F-4D97-AF65-F5344CB8AC3E}">
